--- a/document/진행사항 2.pptx
+++ b/document/진행사항 2.pptx
@@ -8909,9 +8909,9 @@
         <p:grpSpPr>
           <a:xfrm>
             <a:off x="5879806" y="2207699"/>
-            <a:ext cx="5396816" cy="4155496"/>
+            <a:ext cx="2696929" cy="4155496"/>
             <a:chOff x="-1798812" y="2207699"/>
-            <a:chExt cx="5396816" cy="4155496"/>
+            <a:chExt cx="2696929" cy="4155496"/>
           </a:xfrm>
         </p:grpSpPr>
         <p:sp>
@@ -8929,7 +8929,7 @@
           <p:spPr>
             <a:xfrm>
               <a:off x="-1798812" y="2405161"/>
-              <a:ext cx="5373066" cy="1074309"/>
+              <a:ext cx="2673179" cy="1074309"/>
             </a:xfrm>
             <a:prstGeom prst="roundRect">
               <a:avLst/>
@@ -9023,7 +9023,7 @@
           <p:spPr>
             <a:xfrm>
               <a:off x="-1775062" y="3794703"/>
-              <a:ext cx="5373066" cy="1133557"/>
+              <a:ext cx="2673179" cy="1133557"/>
             </a:xfrm>
             <a:prstGeom prst="roundRect">
               <a:avLst/>
@@ -9145,6 +9145,71 @@
                 <a:ea typeface="+mj-ea"/>
               </a:endParaRPr>
             </a:p>
+            <a:p>
+              <a:pPr algn="ctr"/>
+              <a:r>
+                <a:rPr lang="en-US" altLang="ko-KR" spc="-150" dirty="0" err="1">
+                  <a:solidFill>
+                    <a:schemeClr val="tx1">
+                      <a:lumMod val="75000"/>
+                      <a:lumOff val="25000"/>
+                    </a:schemeClr>
+                  </a:solidFill>
+                  <a:latin typeface="+mj-ea"/>
+                  <a:ea typeface="+mj-ea"/>
+                </a:rPr>
+                <a:t>Github</a:t>
+              </a:r>
+              <a:r>
+                <a:rPr lang="ko-KR" altLang="en-US" spc="-150" dirty="0">
+                  <a:solidFill>
+                    <a:schemeClr val="tx1">
+                      <a:lumMod val="75000"/>
+                      <a:lumOff val="25000"/>
+                    </a:schemeClr>
+                  </a:solidFill>
+                  <a:latin typeface="+mj-ea"/>
+                  <a:ea typeface="+mj-ea"/>
+                </a:rPr>
+                <a:t> </a:t>
+              </a:r>
+              <a:r>
+                <a:rPr lang="en-US" altLang="ko-KR" spc="-150" dirty="0">
+                  <a:solidFill>
+                    <a:schemeClr val="tx1">
+                      <a:lumMod val="75000"/>
+                      <a:lumOff val="25000"/>
+                    </a:schemeClr>
+                  </a:solidFill>
+                  <a:latin typeface="+mj-ea"/>
+                  <a:ea typeface="+mj-ea"/>
+                </a:rPr>
+                <a:t>API</a:t>
+              </a:r>
+              <a:r>
+                <a:rPr lang="ko-KR" altLang="en-US" spc="-150" dirty="0">
+                  <a:solidFill>
+                    <a:schemeClr val="tx1">
+                      <a:lumMod val="75000"/>
+                      <a:lumOff val="25000"/>
+                    </a:schemeClr>
+                  </a:solidFill>
+                  <a:latin typeface="+mj-ea"/>
+                  <a:ea typeface="+mj-ea"/>
+                </a:rPr>
+                <a:t> 연동</a:t>
+              </a:r>
+              <a:endParaRPr lang="en-US" altLang="ko-KR" spc="-150" dirty="0">
+                <a:solidFill>
+                  <a:schemeClr val="tx1">
+                    <a:lumMod val="75000"/>
+                    <a:lumOff val="25000"/>
+                  </a:schemeClr>
+                </a:solidFill>
+                <a:latin typeface="+mj-ea"/>
+                <a:ea typeface="+mj-ea"/>
+              </a:endParaRPr>
+            </a:p>
           </p:txBody>
         </p:sp>
         <p:sp>
@@ -9161,7 +9226,7 @@
           </p:nvSpPr>
           <p:spPr>
             <a:xfrm>
-              <a:off x="-1198619" y="2207699"/>
+              <a:off x="-858378" y="2207699"/>
               <a:ext cx="832855" cy="402892"/>
             </a:xfrm>
             <a:prstGeom prst="roundRect">
@@ -9237,7 +9302,7 @@
           </p:nvSpPr>
           <p:spPr>
             <a:xfrm>
-              <a:off x="-1198618" y="3595134"/>
+              <a:off x="-858377" y="3595134"/>
               <a:ext cx="832855" cy="402892"/>
             </a:xfrm>
             <a:prstGeom prst="roundRect">
@@ -9314,7 +9379,7 @@
           <p:spPr>
             <a:xfrm>
               <a:off x="-1775062" y="5229638"/>
-              <a:ext cx="5359212" cy="1133557"/>
+              <a:ext cx="2666286" cy="1133557"/>
             </a:xfrm>
             <a:prstGeom prst="roundRect">
               <a:avLst/>
@@ -9407,7 +9472,7 @@
           </p:nvSpPr>
           <p:spPr>
             <a:xfrm>
-              <a:off x="-1198620" y="5030069"/>
+              <a:off x="-858379" y="5030069"/>
               <a:ext cx="832855" cy="402892"/>
             </a:xfrm>
             <a:prstGeom prst="roundRect">
@@ -9562,6 +9627,353 @@
           <a:xfrm>
             <a:off x="4200134" y="3998026"/>
             <a:ext cx="1057634" cy="523875"/>
+          </a:xfrm>
+          <a:prstGeom prst="rightArrow">
+            <a:avLst/>
+          </a:prstGeom>
+          <a:solidFill>
+            <a:schemeClr val="accent2"/>
+          </a:solidFill>
+          <a:ln>
+            <a:noFill/>
+          </a:ln>
+        </p:spPr>
+        <p:style>
+          <a:lnRef idx="2">
+            <a:schemeClr val="accent1">
+              <a:shade val="50000"/>
+            </a:schemeClr>
+          </a:lnRef>
+          <a:fillRef idx="1">
+            <a:schemeClr val="accent1"/>
+          </a:fillRef>
+          <a:effectRef idx="0">
+            <a:schemeClr val="accent1"/>
+          </a:effectRef>
+          <a:fontRef idx="minor">
+            <a:schemeClr val="lt1"/>
+          </a:fontRef>
+        </p:style>
+        <p:txBody>
+          <a:bodyPr rtlCol="0" anchor="ctr"/>
+          <a:lstStyle/>
+          <a:p>
+            <a:pPr algn="ctr"/>
+            <a:endParaRPr lang="ko-KR" altLang="en-US"/>
+          </a:p>
+        </p:txBody>
+      </p:sp>
+      <p:sp>
+        <p:nvSpPr>
+          <p:cNvPr id="30" name="사각형: 둥근 모서리 43">
+            <a:extLst>
+              <a:ext uri="{FF2B5EF4-FFF2-40B4-BE49-F238E27FC236}">
+                <a16:creationId xmlns:a16="http://schemas.microsoft.com/office/drawing/2014/main" id="{FEF59DF5-1EF0-CE46-A298-04520701A652}"/>
+              </a:ext>
+            </a:extLst>
+          </p:cNvPr>
+          <p:cNvSpPr/>
+          <p:nvPr/>
+        </p:nvSpPr>
+        <p:spPr>
+          <a:xfrm>
+            <a:off x="9027189" y="2405161"/>
+            <a:ext cx="2211426" cy="3958034"/>
+          </a:xfrm>
+          <a:prstGeom prst="roundRect">
+            <a:avLst>
+              <a:gd name="adj" fmla="val 7851"/>
+            </a:avLst>
+          </a:prstGeom>
+          <a:noFill/>
+          <a:ln w="28575">
+            <a:solidFill>
+              <a:srgbClr val="FDDE45"/>
+            </a:solidFill>
+          </a:ln>
+        </p:spPr>
+        <p:style>
+          <a:lnRef idx="2">
+            <a:schemeClr val="accent1">
+              <a:shade val="50000"/>
+            </a:schemeClr>
+          </a:lnRef>
+          <a:fillRef idx="1">
+            <a:schemeClr val="accent1"/>
+          </a:fillRef>
+          <a:effectRef idx="0">
+            <a:schemeClr val="accent1"/>
+          </a:effectRef>
+          <a:fontRef idx="minor">
+            <a:schemeClr val="lt1"/>
+          </a:fontRef>
+        </p:style>
+        <p:txBody>
+          <a:bodyPr rtlCol="0" anchor="ctr"/>
+          <a:lstStyle/>
+          <a:p>
+            <a:pPr algn="ctr"/>
+            <a:r>
+              <a:rPr lang="ko-KR" altLang="en-US" spc="-150" dirty="0">
+                <a:solidFill>
+                  <a:schemeClr val="tx1">
+                    <a:lumMod val="75000"/>
+                    <a:lumOff val="25000"/>
+                  </a:schemeClr>
+                </a:solidFill>
+                <a:latin typeface="+mj-ea"/>
+                <a:ea typeface="+mj-ea"/>
+              </a:rPr>
+              <a:t>유저 관리</a:t>
+            </a:r>
+            <a:endParaRPr lang="en-US" altLang="ko-KR" spc="-150" dirty="0">
+              <a:solidFill>
+                <a:schemeClr val="tx1">
+                  <a:lumMod val="75000"/>
+                  <a:lumOff val="25000"/>
+                </a:schemeClr>
+              </a:solidFill>
+              <a:latin typeface="+mj-ea"/>
+              <a:ea typeface="+mj-ea"/>
+            </a:endParaRPr>
+          </a:p>
+          <a:p>
+            <a:pPr algn="ctr"/>
+            <a:endParaRPr lang="en-US" altLang="ko-KR" spc="-150" dirty="0">
+              <a:solidFill>
+                <a:schemeClr val="tx1">
+                  <a:lumMod val="75000"/>
+                  <a:lumOff val="25000"/>
+                </a:schemeClr>
+              </a:solidFill>
+              <a:latin typeface="+mj-ea"/>
+              <a:ea typeface="+mj-ea"/>
+            </a:endParaRPr>
+          </a:p>
+          <a:p>
+            <a:pPr algn="ctr"/>
+            <a:r>
+              <a:rPr lang="ko-KR" altLang="en-US" spc="-150" dirty="0">
+                <a:solidFill>
+                  <a:schemeClr val="tx1">
+                    <a:lumMod val="75000"/>
+                    <a:lumOff val="25000"/>
+                  </a:schemeClr>
+                </a:solidFill>
+                <a:latin typeface="+mj-ea"/>
+                <a:ea typeface="+mj-ea"/>
+              </a:rPr>
+              <a:t>포트폴리오 업로드</a:t>
+            </a:r>
+            <a:endParaRPr lang="en-US" altLang="ko-KR" spc="-150" dirty="0">
+              <a:solidFill>
+                <a:schemeClr val="tx1">
+                  <a:lumMod val="75000"/>
+                  <a:lumOff val="25000"/>
+                </a:schemeClr>
+              </a:solidFill>
+              <a:latin typeface="+mj-ea"/>
+              <a:ea typeface="+mj-ea"/>
+            </a:endParaRPr>
+          </a:p>
+          <a:p>
+            <a:pPr algn="ctr"/>
+            <a:endParaRPr lang="en-US" altLang="ko-KR" spc="-150" dirty="0">
+              <a:solidFill>
+                <a:schemeClr val="tx1">
+                  <a:lumMod val="75000"/>
+                  <a:lumOff val="25000"/>
+                </a:schemeClr>
+              </a:solidFill>
+              <a:latin typeface="+mj-ea"/>
+              <a:ea typeface="+mj-ea"/>
+            </a:endParaRPr>
+          </a:p>
+          <a:p>
+            <a:pPr algn="ctr"/>
+            <a:r>
+              <a:rPr lang="en-US" altLang="ko-KR" spc="-150" dirty="0" err="1">
+                <a:solidFill>
+                  <a:schemeClr val="tx1">
+                    <a:lumMod val="75000"/>
+                    <a:lumOff val="25000"/>
+                  </a:schemeClr>
+                </a:solidFill>
+                <a:latin typeface="+mj-ea"/>
+                <a:ea typeface="+mj-ea"/>
+              </a:rPr>
+              <a:t>Github</a:t>
+            </a:r>
+            <a:r>
+              <a:rPr lang="ko-KR" altLang="en-US" spc="-150" dirty="0">
+                <a:solidFill>
+                  <a:schemeClr val="tx1">
+                    <a:lumMod val="75000"/>
+                    <a:lumOff val="25000"/>
+                  </a:schemeClr>
+                </a:solidFill>
+                <a:latin typeface="+mj-ea"/>
+                <a:ea typeface="+mj-ea"/>
+              </a:rPr>
+              <a:t> 연동을 통한</a:t>
+            </a:r>
+            <a:endParaRPr lang="en-US" altLang="ko-KR" spc="-150" dirty="0">
+              <a:solidFill>
+                <a:schemeClr val="tx1">
+                  <a:lumMod val="75000"/>
+                  <a:lumOff val="25000"/>
+                </a:schemeClr>
+              </a:solidFill>
+              <a:latin typeface="+mj-ea"/>
+              <a:ea typeface="+mj-ea"/>
+            </a:endParaRPr>
+          </a:p>
+          <a:p>
+            <a:pPr algn="ctr"/>
+            <a:r>
+              <a:rPr lang="ko-KR" altLang="en-US" spc="-150" dirty="0">
+                <a:solidFill>
+                  <a:schemeClr val="tx1">
+                    <a:lumMod val="75000"/>
+                    <a:lumOff val="25000"/>
+                  </a:schemeClr>
+                </a:solidFill>
+                <a:latin typeface="+mj-ea"/>
+                <a:ea typeface="+mj-ea"/>
+              </a:rPr>
+              <a:t>사용 언어 및 </a:t>
+            </a:r>
+            <a:r>
+              <a:rPr lang="ko-KR" altLang="en-US" spc="-150" dirty="0" err="1">
+                <a:solidFill>
+                  <a:schemeClr val="tx1">
+                    <a:lumMod val="75000"/>
+                    <a:lumOff val="25000"/>
+                  </a:schemeClr>
+                </a:solidFill>
+                <a:latin typeface="+mj-ea"/>
+                <a:ea typeface="+mj-ea"/>
+              </a:rPr>
+              <a:t>기술스택</a:t>
+            </a:r>
+            <a:r>
+              <a:rPr lang="ko-KR" altLang="en-US" spc="-150" dirty="0">
+                <a:solidFill>
+                  <a:schemeClr val="tx1">
+                    <a:lumMod val="75000"/>
+                    <a:lumOff val="25000"/>
+                  </a:schemeClr>
+                </a:solidFill>
+                <a:latin typeface="+mj-ea"/>
+                <a:ea typeface="+mj-ea"/>
+              </a:rPr>
+              <a:t> 분석</a:t>
+            </a:r>
+            <a:endParaRPr lang="en-US" altLang="ko-KR" spc="-150" dirty="0">
+              <a:solidFill>
+                <a:schemeClr val="tx1">
+                  <a:lumMod val="75000"/>
+                  <a:lumOff val="25000"/>
+                </a:schemeClr>
+              </a:solidFill>
+              <a:latin typeface="+mj-ea"/>
+              <a:ea typeface="+mj-ea"/>
+            </a:endParaRPr>
+          </a:p>
+        </p:txBody>
+      </p:sp>
+      <p:sp>
+        <p:nvSpPr>
+          <p:cNvPr id="31" name="사각형: 둥근 모서리 45">
+            <a:extLst>
+              <a:ext uri="{FF2B5EF4-FFF2-40B4-BE49-F238E27FC236}">
+                <a16:creationId xmlns:a16="http://schemas.microsoft.com/office/drawing/2014/main" id="{DD388CB6-91A6-F140-B59B-4CB1B4CB7772}"/>
+              </a:ext>
+            </a:extLst>
+          </p:cNvPr>
+          <p:cNvSpPr/>
+          <p:nvPr/>
+        </p:nvSpPr>
+        <p:spPr>
+          <a:xfrm>
+            <a:off x="9554979" y="2207699"/>
+            <a:ext cx="1196390" cy="402892"/>
+          </a:xfrm>
+          <a:prstGeom prst="roundRect">
+            <a:avLst/>
+          </a:prstGeom>
+          <a:solidFill>
+            <a:schemeClr val="accent2"/>
+          </a:solidFill>
+          <a:ln>
+            <a:solidFill>
+              <a:srgbClr val="FDDE45"/>
+            </a:solidFill>
+          </a:ln>
+        </p:spPr>
+        <p:style>
+          <a:lnRef idx="2">
+            <a:schemeClr val="accent1">
+              <a:shade val="50000"/>
+            </a:schemeClr>
+          </a:lnRef>
+          <a:fillRef idx="1">
+            <a:schemeClr val="accent1"/>
+          </a:fillRef>
+          <a:effectRef idx="0">
+            <a:schemeClr val="accent1"/>
+          </a:effectRef>
+          <a:fontRef idx="minor">
+            <a:schemeClr val="lt1"/>
+          </a:fontRef>
+        </p:style>
+        <p:txBody>
+          <a:bodyPr rtlCol="0" anchor="ctr"/>
+          <a:lstStyle/>
+          <a:p>
+            <a:pPr algn="ctr"/>
+            <a:r>
+              <a:rPr lang="en-US" altLang="ko-KR" sz="1800" spc="-150" dirty="0">
+                <a:solidFill>
+                  <a:schemeClr val="tx1">
+                    <a:lumMod val="75000"/>
+                    <a:lumOff val="25000"/>
+                  </a:schemeClr>
+                </a:solidFill>
+                <a:latin typeface="+mj-ea"/>
+                <a:ea typeface="+mj-ea"/>
+              </a:rPr>
+              <a:t>Function</a:t>
+            </a:r>
+            <a:endParaRPr lang="ko-KR" altLang="en-US" sz="1800" spc="-150" dirty="0">
+              <a:solidFill>
+                <a:schemeClr val="tx1">
+                  <a:lumMod val="75000"/>
+                  <a:lumOff val="25000"/>
+                </a:schemeClr>
+              </a:solidFill>
+              <a:latin typeface="+mj-ea"/>
+              <a:ea typeface="+mj-ea"/>
+            </a:endParaRPr>
+          </a:p>
+        </p:txBody>
+      </p:sp>
+      <p:sp>
+        <p:nvSpPr>
+          <p:cNvPr id="37" name="화살표: 오른쪽 4">
+            <a:extLst>
+              <a:ext uri="{FF2B5EF4-FFF2-40B4-BE49-F238E27FC236}">
+                <a16:creationId xmlns:a16="http://schemas.microsoft.com/office/drawing/2014/main" id="{226A48CE-3974-834C-B22C-BF93195B7543}"/>
+              </a:ext>
+            </a:extLst>
+          </p:cNvPr>
+          <p:cNvSpPr/>
+          <p:nvPr/>
+        </p:nvSpPr>
+        <p:spPr>
+          <a:xfrm>
+            <a:off x="8456698" y="4198440"/>
+            <a:ext cx="714278" cy="371475"/>
           </a:xfrm>
           <a:prstGeom prst="rightArrow">
             <a:avLst/>

--- a/document/진행사항 2.pptx
+++ b/document/진행사항 2.pptx
@@ -5,37 +5,38 @@
     <p:sldMasterId id="2147483648" r:id="rId1"/>
   </p:sldMasterIdLst>
   <p:notesMasterIdLst>
-    <p:notesMasterId r:id="rId11"/>
+    <p:notesMasterId r:id="rId12"/>
   </p:notesMasterIdLst>
   <p:sldIdLst>
     <p:sldId id="257" r:id="rId2"/>
     <p:sldId id="260" r:id="rId3"/>
     <p:sldId id="300" r:id="rId4"/>
     <p:sldId id="293" r:id="rId5"/>
-    <p:sldId id="258" r:id="rId6"/>
-    <p:sldId id="330" r:id="rId7"/>
-    <p:sldId id="299" r:id="rId8"/>
-    <p:sldId id="308" r:id="rId9"/>
-    <p:sldId id="285" r:id="rId10"/>
+    <p:sldId id="331" r:id="rId6"/>
+    <p:sldId id="258" r:id="rId7"/>
+    <p:sldId id="330" r:id="rId8"/>
+    <p:sldId id="299" r:id="rId9"/>
+    <p:sldId id="308" r:id="rId10"/>
+    <p:sldId id="285" r:id="rId11"/>
   </p:sldIdLst>
   <p:sldSz cx="12192000" cy="6858000"/>
   <p:notesSz cx="6858000" cy="9144000"/>
   <p:embeddedFontLst>
     <p:embeddedFont>
       <p:font typeface="맑은 고딕" panose="020B0503020000020004" pitchFamily="34" charset="-127"/>
-      <p:regular r:id="rId12"/>
-      <p:bold r:id="rId13"/>
+      <p:regular r:id="rId13"/>
+      <p:bold r:id="rId14"/>
     </p:embeddedFont>
     <p:embeddedFont>
       <p:font typeface="나눔스퀘어 Bold" panose="020B0600000101010101" pitchFamily="34" charset="-127"/>
-      <p:bold r:id="rId14"/>
+      <p:bold r:id="rId15"/>
     </p:embeddedFont>
     <p:embeddedFont>
       <p:font typeface="Arial Nova" panose="020B0504020202020204" pitchFamily="34" charset="0"/>
-      <p:regular r:id="rId15"/>
-      <p:bold r:id="rId16"/>
-      <p:italic r:id="rId17"/>
-      <p:boldItalic r:id="rId18"/>
+      <p:regular r:id="rId16"/>
+      <p:bold r:id="rId17"/>
+      <p:italic r:id="rId18"/>
+      <p:boldItalic r:id="rId19"/>
     </p:embeddedFont>
   </p:embeddedFontLst>
   <p:defaultTextStyle>
@@ -1445,7 +1446,7 @@
           <a:p>
             <a:fld id="{D317B73D-846C-4662-A050-AFB87189A20F}" type="slidenum">
               <a:rPr lang="ko-KR" altLang="en-US" smtClean="0"/>
-              <a:t>8</a:t>
+              <a:t>9</a:t>
             </a:fld>
             <a:endParaRPr lang="ko-KR" altLang="en-US"/>
           </a:p>
@@ -5026,6 +5027,219 @@
 </p:sld>
 </file>
 
+<file path=ppt/slides/slide10.xml><?xml version="1.0" encoding="utf-8"?>
+<p:sld xmlns:a="http://schemas.openxmlformats.org/drawingml/2006/main" xmlns:r="http://schemas.openxmlformats.org/officeDocument/2006/relationships" xmlns:p="http://schemas.openxmlformats.org/presentationml/2006/main">
+  <p:cSld>
+    <p:spTree>
+      <p:nvGrpSpPr>
+        <p:cNvPr id="1" name=""/>
+        <p:cNvGrpSpPr/>
+        <p:nvPr/>
+      </p:nvGrpSpPr>
+      <p:grpSpPr>
+        <a:xfrm>
+          <a:off x="0" y="0"/>
+          <a:ext cx="0" cy="0"/>
+          <a:chOff x="0" y="0"/>
+          <a:chExt cx="0" cy="0"/>
+        </a:xfrm>
+      </p:grpSpPr>
+      <p:pic>
+        <p:nvPicPr>
+          <p:cNvPr id="3" name="그림 2">
+            <a:extLst>
+              <a:ext uri="{FF2B5EF4-FFF2-40B4-BE49-F238E27FC236}">
+                <a16:creationId xmlns:a16="http://schemas.microsoft.com/office/drawing/2014/main" id="{4EBBF972-9F3D-4F22-B882-CE59EF744762}"/>
+              </a:ext>
+            </a:extLst>
+          </p:cNvPr>
+          <p:cNvPicPr>
+            <a:picLocks noChangeAspect="1"/>
+          </p:cNvPicPr>
+          <p:nvPr/>
+        </p:nvPicPr>
+        <p:blipFill rotWithShape="1">
+          <a:blip r:embed="rId2" cstate="screen">
+            <a:extLst>
+              <a:ext uri="{28A0092B-C50C-407E-A947-70E740481C1C}">
+                <a14:useLocalDpi xmlns:a14="http://schemas.microsoft.com/office/drawing/2010/main" val="0"/>
+              </a:ext>
+            </a:extLst>
+          </a:blip>
+          <a:srcRect/>
+          <a:stretch/>
+        </p:blipFill>
+        <p:spPr>
+          <a:xfrm>
+            <a:off x="0" y="0"/>
+            <a:ext cx="12192000" cy="6858000"/>
+          </a:xfrm>
+          <a:prstGeom prst="rect">
+            <a:avLst/>
+          </a:prstGeom>
+        </p:spPr>
+      </p:pic>
+      <p:sp>
+        <p:nvSpPr>
+          <p:cNvPr id="4" name="직사각형 3">
+            <a:extLst>
+              <a:ext uri="{FF2B5EF4-FFF2-40B4-BE49-F238E27FC236}">
+                <a16:creationId xmlns:a16="http://schemas.microsoft.com/office/drawing/2014/main" id="{7C74F5F7-00D0-4ECC-89F9-4D20EF05AC44}"/>
+              </a:ext>
+            </a:extLst>
+          </p:cNvPr>
+          <p:cNvSpPr/>
+          <p:nvPr/>
+        </p:nvSpPr>
+        <p:spPr>
+          <a:xfrm>
+            <a:off x="2698416" y="2505627"/>
+            <a:ext cx="6795168" cy="1836488"/>
+          </a:xfrm>
+          <a:prstGeom prst="rect">
+            <a:avLst/>
+          </a:prstGeom>
+          <a:solidFill>
+            <a:schemeClr val="accent4"/>
+          </a:solidFill>
+          <a:ln>
+            <a:noFill/>
+          </a:ln>
+        </p:spPr>
+        <p:style>
+          <a:lnRef idx="2">
+            <a:schemeClr val="accent1">
+              <a:shade val="50000"/>
+            </a:schemeClr>
+          </a:lnRef>
+          <a:fillRef idx="1">
+            <a:schemeClr val="accent1"/>
+          </a:fillRef>
+          <a:effectRef idx="0">
+            <a:schemeClr val="accent1"/>
+          </a:effectRef>
+          <a:fontRef idx="minor">
+            <a:schemeClr val="lt1"/>
+          </a:fontRef>
+        </p:style>
+        <p:txBody>
+          <a:bodyPr rtlCol="0" anchor="ctr"/>
+          <a:lstStyle/>
+          <a:p>
+            <a:pPr algn="ctr"/>
+            <a:endParaRPr lang="ko-KR" altLang="en-US"/>
+          </a:p>
+        </p:txBody>
+      </p:sp>
+      <p:sp>
+        <p:nvSpPr>
+          <p:cNvPr id="5" name="TextBox 4">
+            <a:extLst>
+              <a:ext uri="{FF2B5EF4-FFF2-40B4-BE49-F238E27FC236}">
+                <a16:creationId xmlns:a16="http://schemas.microsoft.com/office/drawing/2014/main" id="{998A5B73-C2F7-4581-8705-1A00D96287B1}"/>
+              </a:ext>
+            </a:extLst>
+          </p:cNvPr>
+          <p:cNvSpPr txBox="1"/>
+          <p:nvPr/>
+        </p:nvSpPr>
+        <p:spPr>
+          <a:xfrm>
+            <a:off x="4348567" y="2916039"/>
+            <a:ext cx="3494867" cy="1015663"/>
+          </a:xfrm>
+          <a:prstGeom prst="rect">
+            <a:avLst/>
+          </a:prstGeom>
+          <a:noFill/>
+        </p:spPr>
+        <p:txBody>
+          <a:bodyPr wrap="none" rtlCol="0">
+            <a:spAutoFit/>
+          </a:bodyPr>
+          <a:lstStyle/>
+          <a:p>
+            <a:pPr algn="ctr"/>
+            <a:r>
+              <a:rPr lang="ko-KR" altLang="en-US" sz="6000" b="1" spc="-300" dirty="0">
+                <a:solidFill>
+                  <a:schemeClr val="accent2"/>
+                </a:solidFill>
+              </a:rPr>
+              <a:t>감사합니다</a:t>
+            </a:r>
+          </a:p>
+        </p:txBody>
+      </p:sp>
+      <p:sp>
+        <p:nvSpPr>
+          <p:cNvPr id="6" name="TextBox 5">
+            <a:extLst>
+              <a:ext uri="{FF2B5EF4-FFF2-40B4-BE49-F238E27FC236}">
+                <a16:creationId xmlns:a16="http://schemas.microsoft.com/office/drawing/2014/main" id="{B52C2E6F-0C74-499E-8460-A9AA5B5D40F6}"/>
+              </a:ext>
+            </a:extLst>
+          </p:cNvPr>
+          <p:cNvSpPr txBox="1"/>
+          <p:nvPr/>
+        </p:nvSpPr>
+        <p:spPr>
+          <a:xfrm>
+            <a:off x="2543947" y="1851645"/>
+            <a:ext cx="1603324" cy="3154710"/>
+          </a:xfrm>
+          <a:prstGeom prst="rect">
+            <a:avLst/>
+          </a:prstGeom>
+          <a:noFill/>
+        </p:spPr>
+        <p:txBody>
+          <a:bodyPr wrap="none" rtlCol="0">
+            <a:spAutoFit/>
+          </a:bodyPr>
+          <a:lstStyle/>
+          <a:p>
+            <a:r>
+              <a:rPr lang="en-US" altLang="ko-KR" sz="19900" dirty="0">
+                <a:solidFill>
+                  <a:schemeClr val="accent2"/>
+                </a:solidFill>
+              </a:rPr>
+              <a:t>#</a:t>
+            </a:r>
+            <a:endParaRPr lang="ko-KR" altLang="en-US" sz="19900" dirty="0">
+              <a:solidFill>
+                <a:schemeClr val="accent2"/>
+              </a:solidFill>
+            </a:endParaRPr>
+          </a:p>
+        </p:txBody>
+      </p:sp>
+    </p:spTree>
+    <p:extLst>
+      <p:ext uri="{BB962C8B-B14F-4D97-AF65-F5344CB8AC3E}">
+        <p14:creationId xmlns:p14="http://schemas.microsoft.com/office/powerpoint/2010/main" val="3899225301"/>
+      </p:ext>
+    </p:extLst>
+  </p:cSld>
+  <p:clrMapOvr>
+    <a:masterClrMapping/>
+  </p:clrMapOvr>
+  <mc:AlternateContent xmlns:mc="http://schemas.openxmlformats.org/markup-compatibility/2006" xmlns:p159="http://schemas.microsoft.com/office/powerpoint/2015/09/main">
+    <mc:Choice Requires="p159">
+      <p:transition xmlns:p14="http://schemas.microsoft.com/office/powerpoint/2010/main" spd="slow" p14:dur="2000">
+        <p159:morph option="byObject"/>
+      </p:transition>
+    </mc:Choice>
+    <mc:Fallback xmlns="">
+      <p:transition spd="slow">
+        <p:fade/>
+      </p:transition>
+    </mc:Fallback>
+  </mc:AlternateContent>
+</p:sld>
+</file>
+
 <file path=ppt/slides/slide2.xml><?xml version="1.0" encoding="utf-8"?>
 <p:sld xmlns:a="http://schemas.openxmlformats.org/drawingml/2006/main" xmlns:r="http://schemas.openxmlformats.org/officeDocument/2006/relationships" xmlns:p="http://schemas.openxmlformats.org/presentationml/2006/main">
   <p:cSld>
@@ -6257,42 +6471,848 @@
           </a:p>
         </p:txBody>
       </p:sp>
-      <p:graphicFrame>
-        <p:nvGraphicFramePr>
-          <p:cNvPr id="7" name="차트 6">
-            <a:extLst>
-              <a:ext uri="{FF2B5EF4-FFF2-40B4-BE49-F238E27FC236}">
-                <a16:creationId xmlns:a16="http://schemas.microsoft.com/office/drawing/2014/main" id="{00000000-0008-0000-0100-000002000000}"/>
-              </a:ext>
-            </a:extLst>
-          </p:cNvPr>
-          <p:cNvGraphicFramePr>
-            <a:graphicFrameLocks/>
-          </p:cNvGraphicFramePr>
-          <p:nvPr>
-            <p:extLst>
-              <p:ext uri="{D42A27DB-BD31-4B8C-83A1-F6EECF244321}">
-                <p14:modId xmlns:p14="http://schemas.microsoft.com/office/powerpoint/2010/main" val="67717363"/>
-              </p:ext>
-            </p:extLst>
-          </p:nvPr>
-        </p:nvGraphicFramePr>
-        <p:xfrm>
-          <a:off x="7416475" y="3763023"/>
-          <a:ext cx="4775525" cy="2956754"/>
-        </p:xfrm>
-        <a:graphic>
-          <a:graphicData uri="http://schemas.openxmlformats.org/drawingml/2006/chart">
-            <c:chart xmlns:c="http://schemas.openxmlformats.org/drawingml/2006/chart" xmlns:r="http://schemas.openxmlformats.org/officeDocument/2006/relationships" r:id="rId2"/>
-          </a:graphicData>
-        </a:graphic>
-      </p:graphicFrame>
+      <p:sp>
+        <p:nvSpPr>
+          <p:cNvPr id="8" name="사각형: 둥근 모서리 5">
+            <a:extLst>
+              <a:ext uri="{FF2B5EF4-FFF2-40B4-BE49-F238E27FC236}">
+                <a16:creationId xmlns:a16="http://schemas.microsoft.com/office/drawing/2014/main" id="{F44904FD-4F5F-0548-A289-02007C160007}"/>
+              </a:ext>
+            </a:extLst>
+          </p:cNvPr>
+          <p:cNvSpPr/>
+          <p:nvPr/>
+        </p:nvSpPr>
+        <p:spPr>
+          <a:xfrm>
+            <a:off x="8338493" y="1490378"/>
+            <a:ext cx="3572600" cy="4809285"/>
+          </a:xfrm>
+          <a:prstGeom prst="roundRect">
+            <a:avLst>
+              <a:gd name="adj" fmla="val 5312"/>
+            </a:avLst>
+          </a:prstGeom>
+          <a:noFill/>
+          <a:ln w="28575">
+            <a:solidFill>
+              <a:srgbClr val="FDDE45"/>
+            </a:solidFill>
+          </a:ln>
+        </p:spPr>
+        <p:style>
+          <a:lnRef idx="2">
+            <a:schemeClr val="accent1">
+              <a:shade val="50000"/>
+            </a:schemeClr>
+          </a:lnRef>
+          <a:fillRef idx="1">
+            <a:schemeClr val="accent1"/>
+          </a:fillRef>
+          <a:effectRef idx="0">
+            <a:schemeClr val="accent1"/>
+          </a:effectRef>
+          <a:fontRef idx="minor">
+            <a:schemeClr val="lt1"/>
+          </a:fontRef>
+        </p:style>
+        <p:txBody>
+          <a:bodyPr rtlCol="0" anchor="ctr"/>
+          <a:lstStyle/>
+          <a:p>
+            <a:pPr algn="ctr"/>
+            <a:endParaRPr lang="ko-KR" altLang="en-US"/>
+          </a:p>
+        </p:txBody>
+      </p:sp>
+      <p:sp>
+        <p:nvSpPr>
+          <p:cNvPr id="9" name="사각형: 둥근 모서리 27">
+            <a:extLst>
+              <a:ext uri="{FF2B5EF4-FFF2-40B4-BE49-F238E27FC236}">
+                <a16:creationId xmlns:a16="http://schemas.microsoft.com/office/drawing/2014/main" id="{E0E67588-43F9-FA4D-9291-5EF9DF1F208B}"/>
+              </a:ext>
+            </a:extLst>
+          </p:cNvPr>
+          <p:cNvSpPr/>
+          <p:nvPr/>
+        </p:nvSpPr>
+        <p:spPr>
+          <a:xfrm>
+            <a:off x="8690978" y="1157009"/>
+            <a:ext cx="1688631" cy="666737"/>
+          </a:xfrm>
+          <a:prstGeom prst="roundRect">
+            <a:avLst/>
+          </a:prstGeom>
+          <a:solidFill>
+            <a:schemeClr val="accent2"/>
+          </a:solidFill>
+          <a:ln>
+            <a:solidFill>
+              <a:srgbClr val="FDDE45"/>
+            </a:solidFill>
+          </a:ln>
+        </p:spPr>
+        <p:style>
+          <a:lnRef idx="2">
+            <a:schemeClr val="accent1">
+              <a:shade val="50000"/>
+            </a:schemeClr>
+          </a:lnRef>
+          <a:fillRef idx="1">
+            <a:schemeClr val="accent1"/>
+          </a:fillRef>
+          <a:effectRef idx="0">
+            <a:schemeClr val="accent1"/>
+          </a:effectRef>
+          <a:fontRef idx="minor">
+            <a:schemeClr val="lt1"/>
+          </a:fontRef>
+        </p:style>
+        <p:txBody>
+          <a:bodyPr rtlCol="0" anchor="ctr"/>
+          <a:lstStyle/>
+          <a:p>
+            <a:pPr algn="ctr"/>
+            <a:r>
+              <a:rPr lang="en-US" altLang="ko-KR" sz="1800" spc="-150" dirty="0">
+                <a:solidFill>
+                  <a:schemeClr val="tx1">
+                    <a:lumMod val="75000"/>
+                    <a:lumOff val="25000"/>
+                  </a:schemeClr>
+                </a:solidFill>
+                <a:latin typeface="+mj-ea"/>
+                <a:ea typeface="+mj-ea"/>
+              </a:rPr>
+              <a:t>1</a:t>
+            </a:r>
+            <a:r>
+              <a:rPr lang="ko-KR" altLang="en-US" sz="1800" spc="-150" dirty="0">
+                <a:solidFill>
+                  <a:schemeClr val="tx1">
+                    <a:lumMod val="75000"/>
+                    <a:lumOff val="25000"/>
+                  </a:schemeClr>
+                </a:solidFill>
+                <a:latin typeface="+mj-ea"/>
+                <a:ea typeface="+mj-ea"/>
+              </a:rPr>
+              <a:t>차 스프린트</a:t>
+            </a:r>
+          </a:p>
+        </p:txBody>
+      </p:sp>
+      <p:grpSp>
+        <p:nvGrpSpPr>
+          <p:cNvPr id="10" name="그룹 9">
+            <a:extLst>
+              <a:ext uri="{FF2B5EF4-FFF2-40B4-BE49-F238E27FC236}">
+                <a16:creationId xmlns:a16="http://schemas.microsoft.com/office/drawing/2014/main" id="{CA11CE8A-7AAC-B34C-9B0F-16E0E4098B84}"/>
+              </a:ext>
+            </a:extLst>
+          </p:cNvPr>
+          <p:cNvGrpSpPr/>
+          <p:nvPr/>
+        </p:nvGrpSpPr>
+        <p:grpSpPr>
+          <a:xfrm>
+            <a:off x="8676050" y="1936821"/>
+            <a:ext cx="2875978" cy="4155496"/>
+            <a:chOff x="816741" y="2207699"/>
+            <a:chExt cx="2875978" cy="4155496"/>
+          </a:xfrm>
+        </p:grpSpPr>
+        <p:sp>
+          <p:nvSpPr>
+            <p:cNvPr id="11" name="사각형: 둥근 모서리 31">
+              <a:extLst>
+                <a:ext uri="{FF2B5EF4-FFF2-40B4-BE49-F238E27FC236}">
+                  <a16:creationId xmlns:a16="http://schemas.microsoft.com/office/drawing/2014/main" id="{443F6FB4-1C3F-5245-926A-E7D2B22511E8}"/>
+                </a:ext>
+              </a:extLst>
+            </p:cNvPr>
+            <p:cNvSpPr/>
+            <p:nvPr/>
+          </p:nvSpPr>
+          <p:spPr>
+            <a:xfrm>
+              <a:off x="816741" y="2405161"/>
+              <a:ext cx="2852228" cy="1074309"/>
+            </a:xfrm>
+            <a:prstGeom prst="roundRect">
+              <a:avLst/>
+            </a:prstGeom>
+            <a:noFill/>
+            <a:ln w="28575">
+              <a:solidFill>
+                <a:srgbClr val="FDDE45"/>
+              </a:solidFill>
+            </a:ln>
+          </p:spPr>
+          <p:style>
+            <a:lnRef idx="2">
+              <a:schemeClr val="accent1">
+                <a:shade val="50000"/>
+              </a:schemeClr>
+            </a:lnRef>
+            <a:fillRef idx="1">
+              <a:schemeClr val="accent1"/>
+            </a:fillRef>
+            <a:effectRef idx="0">
+              <a:schemeClr val="accent1"/>
+            </a:effectRef>
+            <a:fontRef idx="minor">
+              <a:schemeClr val="lt1"/>
+            </a:fontRef>
+          </p:style>
+          <p:txBody>
+            <a:bodyPr rtlCol="0" anchor="ctr"/>
+            <a:lstStyle/>
+            <a:p>
+              <a:pPr algn="ctr"/>
+              <a:r>
+                <a:rPr lang="ko-KR" altLang="en-US" sz="1800" spc="-150" dirty="0">
+                  <a:solidFill>
+                    <a:schemeClr val="tx1">
+                      <a:lumMod val="75000"/>
+                      <a:lumOff val="25000"/>
+                    </a:schemeClr>
+                  </a:solidFill>
+                  <a:latin typeface="+mj-ea"/>
+                  <a:ea typeface="+mj-ea"/>
+                </a:rPr>
+                <a:t>베이스 디자인</a:t>
+              </a:r>
+              <a:endParaRPr lang="en-US" altLang="ko-KR" sz="1800" spc="-150" dirty="0">
+                <a:solidFill>
+                  <a:schemeClr val="tx1">
+                    <a:lumMod val="75000"/>
+                    <a:lumOff val="25000"/>
+                  </a:schemeClr>
+                </a:solidFill>
+                <a:latin typeface="+mj-ea"/>
+                <a:ea typeface="+mj-ea"/>
+              </a:endParaRPr>
+            </a:p>
+            <a:p>
+              <a:pPr algn="ctr"/>
+              <a:r>
+                <a:rPr lang="ko-KR" altLang="en-US" spc="-150" dirty="0">
+                  <a:solidFill>
+                    <a:schemeClr val="tx1">
+                      <a:lumMod val="75000"/>
+                      <a:lumOff val="25000"/>
+                    </a:schemeClr>
+                  </a:solidFill>
+                  <a:latin typeface="+mj-ea"/>
+                  <a:ea typeface="+mj-ea"/>
+                </a:rPr>
+                <a:t>메인</a:t>
+              </a:r>
+              <a:r>
+                <a:rPr lang="en-US" altLang="ko-KR" spc="-150" dirty="0">
+                  <a:solidFill>
+                    <a:schemeClr val="tx1">
+                      <a:lumMod val="75000"/>
+                      <a:lumOff val="25000"/>
+                    </a:schemeClr>
+                  </a:solidFill>
+                  <a:latin typeface="+mj-ea"/>
+                  <a:ea typeface="+mj-ea"/>
+                </a:rPr>
+                <a:t>/</a:t>
+              </a:r>
+              <a:r>
+                <a:rPr lang="ko-KR" altLang="en-US" spc="-150" dirty="0">
+                  <a:solidFill>
+                    <a:schemeClr val="tx1">
+                      <a:lumMod val="75000"/>
+                      <a:lumOff val="25000"/>
+                    </a:schemeClr>
+                  </a:solidFill>
+                  <a:latin typeface="+mj-ea"/>
+                  <a:ea typeface="+mj-ea"/>
+                </a:rPr>
+                <a:t>유저 페이지</a:t>
+              </a:r>
+              <a:endParaRPr lang="en-US" altLang="ko-KR" spc="-150" dirty="0">
+                <a:solidFill>
+                  <a:schemeClr val="tx1">
+                    <a:lumMod val="75000"/>
+                    <a:lumOff val="25000"/>
+                  </a:schemeClr>
+                </a:solidFill>
+                <a:latin typeface="+mj-ea"/>
+                <a:ea typeface="+mj-ea"/>
+              </a:endParaRPr>
+            </a:p>
+          </p:txBody>
+        </p:sp>
+        <p:sp>
+          <p:nvSpPr>
+            <p:cNvPr id="12" name="사각형: 둥근 모서리 32">
+              <a:extLst>
+                <a:ext uri="{FF2B5EF4-FFF2-40B4-BE49-F238E27FC236}">
+                  <a16:creationId xmlns:a16="http://schemas.microsoft.com/office/drawing/2014/main" id="{A8CF0533-0096-EA46-BF81-6CD5A865AF2B}"/>
+                </a:ext>
+              </a:extLst>
+            </p:cNvPr>
+            <p:cNvSpPr/>
+            <p:nvPr/>
+          </p:nvSpPr>
+          <p:spPr>
+            <a:xfrm>
+              <a:off x="840493" y="3794703"/>
+              <a:ext cx="2852226" cy="1133557"/>
+            </a:xfrm>
+            <a:prstGeom prst="roundRect">
+              <a:avLst/>
+            </a:prstGeom>
+            <a:noFill/>
+            <a:ln w="28575">
+              <a:solidFill>
+                <a:srgbClr val="FDDE45"/>
+              </a:solidFill>
+            </a:ln>
+          </p:spPr>
+          <p:style>
+            <a:lnRef idx="2">
+              <a:schemeClr val="accent1">
+                <a:shade val="50000"/>
+              </a:schemeClr>
+            </a:lnRef>
+            <a:fillRef idx="1">
+              <a:schemeClr val="accent1"/>
+            </a:fillRef>
+            <a:effectRef idx="0">
+              <a:schemeClr val="accent1"/>
+            </a:effectRef>
+            <a:fontRef idx="minor">
+              <a:schemeClr val="lt1"/>
+            </a:fontRef>
+          </p:style>
+          <p:txBody>
+            <a:bodyPr rtlCol="0" anchor="ctr"/>
+            <a:lstStyle/>
+            <a:p>
+              <a:pPr algn="ctr"/>
+              <a:r>
+                <a:rPr lang="ko-KR" altLang="en-US" spc="-150" dirty="0">
+                  <a:solidFill>
+                    <a:schemeClr val="tx1">
+                      <a:lumMod val="75000"/>
+                      <a:lumOff val="25000"/>
+                    </a:schemeClr>
+                  </a:solidFill>
+                  <a:latin typeface="+mj-ea"/>
+                  <a:ea typeface="+mj-ea"/>
+                </a:rPr>
+                <a:t>메인</a:t>
+              </a:r>
+              <a:r>
+                <a:rPr lang="en-US" altLang="ko-KR" spc="-150" dirty="0">
+                  <a:solidFill>
+                    <a:schemeClr val="tx1">
+                      <a:lumMod val="75000"/>
+                      <a:lumOff val="25000"/>
+                    </a:schemeClr>
+                  </a:solidFill>
+                  <a:latin typeface="+mj-ea"/>
+                  <a:ea typeface="+mj-ea"/>
+                </a:rPr>
+                <a:t>/</a:t>
+              </a:r>
+              <a:r>
+                <a:rPr lang="ko-KR" altLang="en-US" spc="-150" dirty="0">
+                  <a:solidFill>
+                    <a:schemeClr val="tx1">
+                      <a:lumMod val="75000"/>
+                      <a:lumOff val="25000"/>
+                    </a:schemeClr>
+                  </a:solidFill>
+                  <a:latin typeface="+mj-ea"/>
+                  <a:ea typeface="+mj-ea"/>
+                </a:rPr>
+                <a:t>유저 처리 </a:t>
+              </a:r>
+              <a:r>
+                <a:rPr lang="ko-KR" altLang="en-US" spc="-150" dirty="0" err="1">
+                  <a:solidFill>
+                    <a:schemeClr val="tx1">
+                      <a:lumMod val="75000"/>
+                      <a:lumOff val="25000"/>
+                    </a:schemeClr>
+                  </a:solidFill>
+                  <a:latin typeface="+mj-ea"/>
+                  <a:ea typeface="+mj-ea"/>
+                </a:rPr>
+                <a:t>로직</a:t>
+              </a:r>
+              <a:r>
+                <a:rPr lang="ko-KR" altLang="en-US" spc="-150" dirty="0">
+                  <a:solidFill>
+                    <a:schemeClr val="tx1">
+                      <a:lumMod val="75000"/>
+                      <a:lumOff val="25000"/>
+                    </a:schemeClr>
+                  </a:solidFill>
+                  <a:latin typeface="+mj-ea"/>
+                  <a:ea typeface="+mj-ea"/>
+                </a:rPr>
+                <a:t> 구현</a:t>
+              </a:r>
+              <a:endParaRPr lang="en-US" altLang="ko-KR" spc="-150" dirty="0">
+                <a:solidFill>
+                  <a:schemeClr val="tx1">
+                    <a:lumMod val="75000"/>
+                    <a:lumOff val="25000"/>
+                  </a:schemeClr>
+                </a:solidFill>
+                <a:latin typeface="+mj-ea"/>
+                <a:ea typeface="+mj-ea"/>
+              </a:endParaRPr>
+            </a:p>
+            <a:p>
+              <a:pPr algn="ctr"/>
+              <a:r>
+                <a:rPr lang="en-US" altLang="ko-KR" sz="1800" spc="-150" dirty="0">
+                  <a:solidFill>
+                    <a:schemeClr val="tx1">
+                      <a:lumMod val="75000"/>
+                      <a:lumOff val="25000"/>
+                    </a:schemeClr>
+                  </a:solidFill>
+                  <a:latin typeface="+mj-ea"/>
+                  <a:ea typeface="+mj-ea"/>
+                </a:rPr>
+                <a:t>DB</a:t>
+              </a:r>
+              <a:r>
+                <a:rPr lang="ko-KR" altLang="en-US" sz="1800" spc="-150" dirty="0">
+                  <a:solidFill>
+                    <a:schemeClr val="tx1">
+                      <a:lumMod val="75000"/>
+                      <a:lumOff val="25000"/>
+                    </a:schemeClr>
+                  </a:solidFill>
+                  <a:latin typeface="+mj-ea"/>
+                  <a:ea typeface="+mj-ea"/>
+                </a:rPr>
+                <a:t> 설</a:t>
+              </a:r>
+              <a:r>
+                <a:rPr lang="ko-KR" altLang="en-US" spc="-150" dirty="0">
+                  <a:solidFill>
+                    <a:schemeClr val="tx1">
+                      <a:lumMod val="75000"/>
+                      <a:lumOff val="25000"/>
+                    </a:schemeClr>
+                  </a:solidFill>
+                  <a:latin typeface="+mj-ea"/>
+                  <a:ea typeface="+mj-ea"/>
+                </a:rPr>
+                <a:t>계</a:t>
+              </a:r>
+              <a:endParaRPr lang="en-US" altLang="ko-KR" sz="1800" spc="-150" dirty="0">
+                <a:solidFill>
+                  <a:schemeClr val="tx1">
+                    <a:lumMod val="75000"/>
+                    <a:lumOff val="25000"/>
+                  </a:schemeClr>
+                </a:solidFill>
+                <a:latin typeface="+mj-ea"/>
+                <a:ea typeface="+mj-ea"/>
+              </a:endParaRPr>
+            </a:p>
+          </p:txBody>
+        </p:sp>
+        <p:sp>
+          <p:nvSpPr>
+            <p:cNvPr id="13" name="사각형: 둥근 모서리 33">
+              <a:extLst>
+                <a:ext uri="{FF2B5EF4-FFF2-40B4-BE49-F238E27FC236}">
+                  <a16:creationId xmlns:a16="http://schemas.microsoft.com/office/drawing/2014/main" id="{4F7B371A-5BA0-2748-9973-0024AFE1307A}"/>
+                </a:ext>
+              </a:extLst>
+            </p:cNvPr>
+            <p:cNvSpPr/>
+            <p:nvPr/>
+          </p:nvSpPr>
+          <p:spPr>
+            <a:xfrm>
+              <a:off x="1848989" y="2207699"/>
+              <a:ext cx="832855" cy="402892"/>
+            </a:xfrm>
+            <a:prstGeom prst="roundRect">
+              <a:avLst/>
+            </a:prstGeom>
+            <a:solidFill>
+              <a:schemeClr val="accent2"/>
+            </a:solidFill>
+            <a:ln>
+              <a:solidFill>
+                <a:srgbClr val="FDDE45"/>
+              </a:solidFill>
+            </a:ln>
+          </p:spPr>
+          <p:style>
+            <a:lnRef idx="2">
+              <a:schemeClr val="accent1">
+                <a:shade val="50000"/>
+              </a:schemeClr>
+            </a:lnRef>
+            <a:fillRef idx="1">
+              <a:schemeClr val="accent1"/>
+            </a:fillRef>
+            <a:effectRef idx="0">
+              <a:schemeClr val="accent1"/>
+            </a:effectRef>
+            <a:fontRef idx="minor">
+              <a:schemeClr val="lt1"/>
+            </a:fontRef>
+          </p:style>
+          <p:txBody>
+            <a:bodyPr rtlCol="0" anchor="ctr"/>
+            <a:lstStyle/>
+            <a:p>
+              <a:pPr algn="ctr"/>
+              <a:r>
+                <a:rPr lang="en-US" altLang="ko-KR" spc="-150" dirty="0">
+                  <a:solidFill>
+                    <a:schemeClr val="tx1">
+                      <a:lumMod val="75000"/>
+                      <a:lumOff val="25000"/>
+                    </a:schemeClr>
+                  </a:solidFill>
+                  <a:latin typeface="+mj-ea"/>
+                  <a:ea typeface="+mj-ea"/>
+                </a:rPr>
+                <a:t>Front</a:t>
+              </a:r>
+              <a:endParaRPr lang="ko-KR" altLang="en-US" sz="1800" spc="-150" dirty="0">
+                <a:solidFill>
+                  <a:schemeClr val="tx1">
+                    <a:lumMod val="75000"/>
+                    <a:lumOff val="25000"/>
+                  </a:schemeClr>
+                </a:solidFill>
+                <a:latin typeface="+mj-ea"/>
+                <a:ea typeface="+mj-ea"/>
+              </a:endParaRPr>
+            </a:p>
+          </p:txBody>
+        </p:sp>
+        <p:sp>
+          <p:nvSpPr>
+            <p:cNvPr id="14" name="사각형: 둥근 모서리 34">
+              <a:extLst>
+                <a:ext uri="{FF2B5EF4-FFF2-40B4-BE49-F238E27FC236}">
+                  <a16:creationId xmlns:a16="http://schemas.microsoft.com/office/drawing/2014/main" id="{FE09B347-F38A-AA4D-80DB-B0C11BE8EEED}"/>
+                </a:ext>
+              </a:extLst>
+            </p:cNvPr>
+            <p:cNvSpPr/>
+            <p:nvPr/>
+          </p:nvSpPr>
+          <p:spPr>
+            <a:xfrm>
+              <a:off x="1847011" y="3595134"/>
+              <a:ext cx="832855" cy="402892"/>
+            </a:xfrm>
+            <a:prstGeom prst="roundRect">
+              <a:avLst/>
+            </a:prstGeom>
+            <a:solidFill>
+              <a:schemeClr val="accent2"/>
+            </a:solidFill>
+            <a:ln>
+              <a:solidFill>
+                <a:srgbClr val="FDDE45"/>
+              </a:solidFill>
+            </a:ln>
+          </p:spPr>
+          <p:style>
+            <a:lnRef idx="2">
+              <a:schemeClr val="accent1">
+                <a:shade val="50000"/>
+              </a:schemeClr>
+            </a:lnRef>
+            <a:fillRef idx="1">
+              <a:schemeClr val="accent1"/>
+            </a:fillRef>
+            <a:effectRef idx="0">
+              <a:schemeClr val="accent1"/>
+            </a:effectRef>
+            <a:fontRef idx="minor">
+              <a:schemeClr val="lt1"/>
+            </a:fontRef>
+          </p:style>
+          <p:txBody>
+            <a:bodyPr rtlCol="0" anchor="ctr"/>
+            <a:lstStyle/>
+            <a:p>
+              <a:pPr algn="ctr"/>
+              <a:r>
+                <a:rPr lang="en-US" altLang="ko-KR" spc="-150" dirty="0">
+                  <a:solidFill>
+                    <a:schemeClr val="tx1">
+                      <a:lumMod val="75000"/>
+                      <a:lumOff val="25000"/>
+                    </a:schemeClr>
+                  </a:solidFill>
+                  <a:latin typeface="+mj-ea"/>
+                  <a:ea typeface="+mj-ea"/>
+                </a:rPr>
+                <a:t>Back</a:t>
+              </a:r>
+              <a:endParaRPr lang="ko-KR" altLang="en-US" sz="1800" spc="-150" dirty="0">
+                <a:solidFill>
+                  <a:schemeClr val="tx1">
+                    <a:lumMod val="75000"/>
+                    <a:lumOff val="25000"/>
+                  </a:schemeClr>
+                </a:solidFill>
+                <a:latin typeface="+mj-ea"/>
+                <a:ea typeface="+mj-ea"/>
+              </a:endParaRPr>
+            </a:p>
+          </p:txBody>
+        </p:sp>
+        <p:sp>
+          <p:nvSpPr>
+            <p:cNvPr id="15" name="사각형: 둥근 모서리 26">
+              <a:extLst>
+                <a:ext uri="{FF2B5EF4-FFF2-40B4-BE49-F238E27FC236}">
+                  <a16:creationId xmlns:a16="http://schemas.microsoft.com/office/drawing/2014/main" id="{3F736395-8C26-5C41-AE30-07D17BE11C4A}"/>
+                </a:ext>
+              </a:extLst>
+            </p:cNvPr>
+            <p:cNvSpPr/>
+            <p:nvPr/>
+          </p:nvSpPr>
+          <p:spPr>
+            <a:xfrm>
+              <a:off x="826639" y="5229638"/>
+              <a:ext cx="2852226" cy="1133557"/>
+            </a:xfrm>
+            <a:prstGeom prst="roundRect">
+              <a:avLst/>
+            </a:prstGeom>
+            <a:noFill/>
+            <a:ln w="28575">
+              <a:solidFill>
+                <a:srgbClr val="FDDE45"/>
+              </a:solidFill>
+            </a:ln>
+          </p:spPr>
+          <p:style>
+            <a:lnRef idx="2">
+              <a:schemeClr val="accent1">
+                <a:shade val="50000"/>
+              </a:schemeClr>
+            </a:lnRef>
+            <a:fillRef idx="1">
+              <a:schemeClr val="accent1"/>
+            </a:fillRef>
+            <a:effectRef idx="0">
+              <a:schemeClr val="accent1"/>
+            </a:effectRef>
+            <a:fontRef idx="minor">
+              <a:schemeClr val="lt1"/>
+            </a:fontRef>
+          </p:style>
+          <p:txBody>
+            <a:bodyPr rtlCol="0" anchor="ctr"/>
+            <a:lstStyle/>
+            <a:p>
+              <a:pPr algn="ctr"/>
+              <a:r>
+                <a:rPr lang="ko-KR" altLang="en-US" spc="-150" dirty="0">
+                  <a:solidFill>
+                    <a:schemeClr val="tx1">
+                      <a:lumMod val="75000"/>
+                      <a:lumOff val="25000"/>
+                    </a:schemeClr>
+                  </a:solidFill>
+                  <a:latin typeface="+mj-ea"/>
+                  <a:ea typeface="+mj-ea"/>
+                </a:rPr>
+                <a:t>초기 데이터 수집</a:t>
+              </a:r>
+              <a:endParaRPr lang="en-US" altLang="ko-KR" spc="-150" dirty="0">
+                <a:solidFill>
+                  <a:schemeClr val="tx1">
+                    <a:lumMod val="75000"/>
+                    <a:lumOff val="25000"/>
+                  </a:schemeClr>
+                </a:solidFill>
+                <a:latin typeface="+mj-ea"/>
+                <a:ea typeface="+mj-ea"/>
+              </a:endParaRPr>
+            </a:p>
+          </p:txBody>
+        </p:sp>
+        <p:sp>
+          <p:nvSpPr>
+            <p:cNvPr id="16" name="사각형: 둥근 모서리 40">
+              <a:extLst>
+                <a:ext uri="{FF2B5EF4-FFF2-40B4-BE49-F238E27FC236}">
+                  <a16:creationId xmlns:a16="http://schemas.microsoft.com/office/drawing/2014/main" id="{41BF763C-4154-7741-AF3A-84AAE32A5B7C}"/>
+                </a:ext>
+              </a:extLst>
+            </p:cNvPr>
+            <p:cNvSpPr/>
+            <p:nvPr/>
+          </p:nvSpPr>
+          <p:spPr>
+            <a:xfrm>
+              <a:off x="1833157" y="5030069"/>
+              <a:ext cx="832855" cy="402892"/>
+            </a:xfrm>
+            <a:prstGeom prst="roundRect">
+              <a:avLst/>
+            </a:prstGeom>
+            <a:solidFill>
+              <a:schemeClr val="accent2"/>
+            </a:solidFill>
+            <a:ln>
+              <a:solidFill>
+                <a:srgbClr val="FDDE45"/>
+              </a:solidFill>
+            </a:ln>
+          </p:spPr>
+          <p:style>
+            <a:lnRef idx="2">
+              <a:schemeClr val="accent1">
+                <a:shade val="50000"/>
+              </a:schemeClr>
+            </a:lnRef>
+            <a:fillRef idx="1">
+              <a:schemeClr val="accent1"/>
+            </a:fillRef>
+            <a:effectRef idx="0">
+              <a:schemeClr val="accent1"/>
+            </a:effectRef>
+            <a:fontRef idx="minor">
+              <a:schemeClr val="lt1"/>
+            </a:fontRef>
+          </p:style>
+          <p:txBody>
+            <a:bodyPr rtlCol="0" anchor="ctr"/>
+            <a:lstStyle/>
+            <a:p>
+              <a:pPr algn="ctr"/>
+              <a:r>
+                <a:rPr lang="en-US" altLang="ko-KR" spc="-150" dirty="0">
+                  <a:solidFill>
+                    <a:schemeClr val="tx1">
+                      <a:lumMod val="75000"/>
+                      <a:lumOff val="25000"/>
+                    </a:schemeClr>
+                  </a:solidFill>
+                  <a:latin typeface="+mj-ea"/>
+                  <a:ea typeface="+mj-ea"/>
+                </a:rPr>
+                <a:t>AI</a:t>
+              </a:r>
+              <a:endParaRPr lang="ko-KR" altLang="en-US" sz="1800" spc="-150" dirty="0">
+                <a:solidFill>
+                  <a:schemeClr val="tx1">
+                    <a:lumMod val="75000"/>
+                    <a:lumOff val="25000"/>
+                  </a:schemeClr>
+                </a:solidFill>
+                <a:latin typeface="+mj-ea"/>
+                <a:ea typeface="+mj-ea"/>
+              </a:endParaRPr>
+            </a:p>
+          </p:txBody>
+        </p:sp>
+      </p:grpSp>
+      <p:sp>
+        <p:nvSpPr>
+          <p:cNvPr id="17" name="사각형: 둥근 모서리 41">
+            <a:extLst>
+              <a:ext uri="{FF2B5EF4-FFF2-40B4-BE49-F238E27FC236}">
+                <a16:creationId xmlns:a16="http://schemas.microsoft.com/office/drawing/2014/main" id="{86522663-DC91-E24A-BBEB-6AAFCE2B8ABB}"/>
+              </a:ext>
+            </a:extLst>
+          </p:cNvPr>
+          <p:cNvSpPr/>
+          <p:nvPr/>
+        </p:nvSpPr>
+        <p:spPr>
+          <a:xfrm>
+            <a:off x="9252953" y="6158497"/>
+            <a:ext cx="1688631" cy="371475"/>
+          </a:xfrm>
+          <a:prstGeom prst="roundRect">
+            <a:avLst/>
+          </a:prstGeom>
+          <a:solidFill>
+            <a:schemeClr val="accent2"/>
+          </a:solidFill>
+          <a:ln>
+            <a:solidFill>
+              <a:srgbClr val="FDDE45"/>
+            </a:solidFill>
+          </a:ln>
+        </p:spPr>
+        <p:style>
+          <a:lnRef idx="2">
+            <a:schemeClr val="accent1">
+              <a:shade val="50000"/>
+            </a:schemeClr>
+          </a:lnRef>
+          <a:fillRef idx="1">
+            <a:schemeClr val="accent1"/>
+          </a:fillRef>
+          <a:effectRef idx="0">
+            <a:schemeClr val="accent1"/>
+          </a:effectRef>
+          <a:fontRef idx="minor">
+            <a:schemeClr val="lt1"/>
+          </a:fontRef>
+        </p:style>
+        <p:txBody>
+          <a:bodyPr rtlCol="0" anchor="ctr"/>
+          <a:lstStyle/>
+          <a:p>
+            <a:pPr algn="ctr"/>
+            <a:r>
+              <a:rPr lang="en-US" altLang="ko-KR" spc="-150" dirty="0">
+                <a:solidFill>
+                  <a:schemeClr val="tx1">
+                    <a:lumMod val="75000"/>
+                    <a:lumOff val="25000"/>
+                  </a:schemeClr>
+                </a:solidFill>
+                <a:latin typeface="+mj-ea"/>
+                <a:ea typeface="+mj-ea"/>
+              </a:rPr>
+              <a:t>1/12 – 1/25</a:t>
+            </a:r>
+            <a:endParaRPr lang="ko-KR" altLang="en-US" sz="1800" spc="-150" dirty="0">
+              <a:solidFill>
+                <a:schemeClr val="tx1">
+                  <a:lumMod val="75000"/>
+                  <a:lumOff val="25000"/>
+                </a:schemeClr>
+              </a:solidFill>
+              <a:latin typeface="+mj-ea"/>
+              <a:ea typeface="+mj-ea"/>
+            </a:endParaRPr>
+          </a:p>
+        </p:txBody>
+      </p:sp>
       <p:pic>
         <p:nvPicPr>
-          <p:cNvPr id="6" name="그림 5" descr="테이블이(가) 표시된 사진&#10;&#10;자동 생성된 설명">
-            <a:extLst>
-              <a:ext uri="{FF2B5EF4-FFF2-40B4-BE49-F238E27FC236}">
-                <a16:creationId xmlns:a16="http://schemas.microsoft.com/office/drawing/2014/main" id="{16EDC881-21CA-E54E-9B2C-4738630BBDE3}"/>
+          <p:cNvPr id="20" name="그림 19">
+            <a:extLst>
+              <a:ext uri="{FF2B5EF4-FFF2-40B4-BE49-F238E27FC236}">
+                <a16:creationId xmlns:a16="http://schemas.microsoft.com/office/drawing/2014/main" id="{49868425-64C9-274A-8FF1-B32AD4D6AFF5}"/>
               </a:ext>
             </a:extLst>
           </p:cNvPr>
@@ -6302,7 +7322,7 @@
           <p:nvPr/>
         </p:nvPicPr>
         <p:blipFill>
-          <a:blip r:embed="rId3">
+          <a:blip r:embed="rId2">
             <a:extLst>
               <a:ext uri="{28A0092B-C50C-407E-A947-70E740481C1C}">
                 <a14:useLocalDpi xmlns:a14="http://schemas.microsoft.com/office/drawing/2010/main" val="0"/>
@@ -6315,8 +7335,8 @@
         </p:blipFill>
         <p:spPr>
           <a:xfrm>
-            <a:off x="0" y="1361100"/>
-            <a:ext cx="7416475" cy="5358677"/>
+            <a:off x="0" y="1193561"/>
+            <a:ext cx="8240100" cy="5733970"/>
           </a:xfrm>
           <a:prstGeom prst="rect">
             <a:avLst/>
@@ -6351,6 +7371,267 @@
 <file path=ppt/slides/slide5.xml><?xml version="1.0" encoding="utf-8"?>
 <p:sld xmlns:a="http://schemas.openxmlformats.org/drawingml/2006/main" xmlns:r="http://schemas.openxmlformats.org/officeDocument/2006/relationships" xmlns:p="http://schemas.openxmlformats.org/presentationml/2006/main">
   <p:cSld>
+    <p:spTree>
+      <p:nvGrpSpPr>
+        <p:cNvPr id="1" name=""/>
+        <p:cNvGrpSpPr/>
+        <p:nvPr/>
+      </p:nvGrpSpPr>
+      <p:grpSpPr>
+        <a:xfrm>
+          <a:off x="0" y="0"/>
+          <a:ext cx="0" cy="0"/>
+          <a:chOff x="0" y="0"/>
+          <a:chExt cx="0" cy="0"/>
+        </a:xfrm>
+      </p:grpSpPr>
+      <p:sp>
+        <p:nvSpPr>
+          <p:cNvPr id="2" name="직사각형 1">
+            <a:extLst>
+              <a:ext uri="{FF2B5EF4-FFF2-40B4-BE49-F238E27FC236}">
+                <a16:creationId xmlns:a16="http://schemas.microsoft.com/office/drawing/2014/main" id="{B1985EEF-2AD8-452A-AD82-3BF8C0CCB759}"/>
+              </a:ext>
+            </a:extLst>
+          </p:cNvPr>
+          <p:cNvSpPr/>
+          <p:nvPr/>
+        </p:nvSpPr>
+        <p:spPr>
+          <a:xfrm>
+            <a:off x="720000" y="1049009"/>
+            <a:ext cx="5760000" cy="108000"/>
+          </a:xfrm>
+          <a:prstGeom prst="rect">
+            <a:avLst/>
+          </a:prstGeom>
+          <a:solidFill>
+            <a:schemeClr val="accent4"/>
+          </a:solidFill>
+          <a:ln>
+            <a:noFill/>
+          </a:ln>
+        </p:spPr>
+        <p:style>
+          <a:lnRef idx="2">
+            <a:schemeClr val="accent1">
+              <a:shade val="50000"/>
+            </a:schemeClr>
+          </a:lnRef>
+          <a:fillRef idx="1">
+            <a:schemeClr val="accent1"/>
+          </a:fillRef>
+          <a:effectRef idx="0">
+            <a:schemeClr val="accent1"/>
+          </a:effectRef>
+          <a:fontRef idx="minor">
+            <a:schemeClr val="lt1"/>
+          </a:fontRef>
+        </p:style>
+        <p:txBody>
+          <a:bodyPr rtlCol="0" anchor="ctr"/>
+          <a:lstStyle/>
+          <a:p>
+            <a:pPr algn="ctr"/>
+            <a:endParaRPr lang="ko-KR" altLang="en-US"/>
+          </a:p>
+        </p:txBody>
+      </p:sp>
+      <p:sp>
+        <p:nvSpPr>
+          <p:cNvPr id="3" name="직사각형 2">
+            <a:extLst>
+              <a:ext uri="{FF2B5EF4-FFF2-40B4-BE49-F238E27FC236}">
+                <a16:creationId xmlns:a16="http://schemas.microsoft.com/office/drawing/2014/main" id="{82363163-7A23-46FA-8BFB-C5C551676293}"/>
+              </a:ext>
+            </a:extLst>
+          </p:cNvPr>
+          <p:cNvSpPr/>
+          <p:nvPr/>
+        </p:nvSpPr>
+        <p:spPr>
+          <a:xfrm>
+            <a:off x="0" y="1049009"/>
+            <a:ext cx="720000" cy="108000"/>
+          </a:xfrm>
+          <a:prstGeom prst="rect">
+            <a:avLst/>
+          </a:prstGeom>
+          <a:solidFill>
+            <a:schemeClr val="accent2"/>
+          </a:solidFill>
+          <a:ln>
+            <a:noFill/>
+          </a:ln>
+        </p:spPr>
+        <p:style>
+          <a:lnRef idx="2">
+            <a:schemeClr val="accent1">
+              <a:shade val="50000"/>
+            </a:schemeClr>
+          </a:lnRef>
+          <a:fillRef idx="1">
+            <a:schemeClr val="accent1"/>
+          </a:fillRef>
+          <a:effectRef idx="0">
+            <a:schemeClr val="accent1"/>
+          </a:effectRef>
+          <a:fontRef idx="minor">
+            <a:schemeClr val="lt1"/>
+          </a:fontRef>
+        </p:style>
+        <p:txBody>
+          <a:bodyPr rtlCol="0" anchor="ctr"/>
+          <a:lstStyle/>
+          <a:p>
+            <a:pPr algn="ctr"/>
+            <a:endParaRPr lang="ko-KR" altLang="en-US"/>
+          </a:p>
+        </p:txBody>
+      </p:sp>
+      <p:sp>
+        <p:nvSpPr>
+          <p:cNvPr id="4" name="TextBox 3">
+            <a:extLst>
+              <a:ext uri="{FF2B5EF4-FFF2-40B4-BE49-F238E27FC236}">
+                <a16:creationId xmlns:a16="http://schemas.microsoft.com/office/drawing/2014/main" id="{F6E7AF03-AAFA-4B21-94E6-D43D71719920}"/>
+              </a:ext>
+            </a:extLst>
+          </p:cNvPr>
+          <p:cNvSpPr txBox="1"/>
+          <p:nvPr/>
+        </p:nvSpPr>
+        <p:spPr>
+          <a:xfrm>
+            <a:off x="720000" y="121920"/>
+            <a:ext cx="1524776" cy="584775"/>
+          </a:xfrm>
+          <a:prstGeom prst="rect">
+            <a:avLst/>
+          </a:prstGeom>
+          <a:noFill/>
+        </p:spPr>
+        <p:txBody>
+          <a:bodyPr wrap="none" rtlCol="0">
+            <a:spAutoFit/>
+          </a:bodyPr>
+          <a:lstStyle/>
+          <a:p>
+            <a:r>
+              <a:rPr lang="ko-KR" altLang="en-US" sz="3200" spc="-300" dirty="0">
+                <a:solidFill>
+                  <a:schemeClr val="tx2">
+                    <a:lumMod val="50000"/>
+                  </a:schemeClr>
+                </a:solidFill>
+              </a:rPr>
+              <a:t>진행상황</a:t>
+            </a:r>
+          </a:p>
+        </p:txBody>
+      </p:sp>
+      <p:sp>
+        <p:nvSpPr>
+          <p:cNvPr id="19" name="TextBox 18">
+            <a:extLst>
+              <a:ext uri="{FF2B5EF4-FFF2-40B4-BE49-F238E27FC236}">
+                <a16:creationId xmlns:a16="http://schemas.microsoft.com/office/drawing/2014/main" id="{BDAF3733-E535-8245-A3DB-EFA40393FE1F}"/>
+              </a:ext>
+            </a:extLst>
+          </p:cNvPr>
+          <p:cNvSpPr txBox="1"/>
+          <p:nvPr/>
+        </p:nvSpPr>
+        <p:spPr>
+          <a:xfrm>
+            <a:off x="185879" y="46855"/>
+            <a:ext cx="534121" cy="830997"/>
+          </a:xfrm>
+          <a:prstGeom prst="rect">
+            <a:avLst/>
+          </a:prstGeom>
+          <a:noFill/>
+        </p:spPr>
+        <p:txBody>
+          <a:bodyPr wrap="none" rtlCol="0">
+            <a:spAutoFit/>
+          </a:bodyPr>
+          <a:lstStyle/>
+          <a:p>
+            <a:r>
+              <a:rPr lang="en-US" altLang="ko-KR" sz="4800" b="1" dirty="0">
+                <a:solidFill>
+                  <a:schemeClr val="accent4"/>
+                </a:solidFill>
+              </a:rPr>
+              <a:t>1</a:t>
+            </a:r>
+            <a:endParaRPr lang="ko-KR" altLang="en-US" sz="4800" b="1" dirty="0">
+              <a:solidFill>
+                <a:schemeClr val="accent4"/>
+              </a:solidFill>
+            </a:endParaRPr>
+          </a:p>
+        </p:txBody>
+      </p:sp>
+      <p:graphicFrame>
+        <p:nvGraphicFramePr>
+          <p:cNvPr id="7" name="차트 6">
+            <a:extLst>
+              <a:ext uri="{FF2B5EF4-FFF2-40B4-BE49-F238E27FC236}">
+                <a16:creationId xmlns:a16="http://schemas.microsoft.com/office/drawing/2014/main" id="{00000000-0008-0000-0100-000002000000}"/>
+              </a:ext>
+            </a:extLst>
+          </p:cNvPr>
+          <p:cNvGraphicFramePr>
+            <a:graphicFrameLocks/>
+          </p:cNvGraphicFramePr>
+          <p:nvPr>
+            <p:extLst>
+              <p:ext uri="{D42A27DB-BD31-4B8C-83A1-F6EECF244321}">
+                <p14:modId xmlns:p14="http://schemas.microsoft.com/office/powerpoint/2010/main" val="3152122514"/>
+              </p:ext>
+            </p:extLst>
+          </p:nvPr>
+        </p:nvGraphicFramePr>
+        <p:xfrm>
+          <a:off x="694661" y="1499323"/>
+          <a:ext cx="10802678" cy="4816417"/>
+        </p:xfrm>
+        <a:graphic>
+          <a:graphicData uri="http://schemas.openxmlformats.org/drawingml/2006/chart">
+            <c:chart xmlns:c="http://schemas.openxmlformats.org/drawingml/2006/chart" xmlns:r="http://schemas.openxmlformats.org/officeDocument/2006/relationships" r:id="rId2"/>
+          </a:graphicData>
+        </a:graphic>
+      </p:graphicFrame>
+    </p:spTree>
+    <p:extLst>
+      <p:ext uri="{BB962C8B-B14F-4D97-AF65-F5344CB8AC3E}">
+        <p14:creationId xmlns:p14="http://schemas.microsoft.com/office/powerpoint/2010/main" val="788968446"/>
+      </p:ext>
+    </p:extLst>
+  </p:cSld>
+  <p:clrMapOvr>
+    <a:masterClrMapping/>
+  </p:clrMapOvr>
+  <mc:AlternateContent xmlns:mc="http://schemas.openxmlformats.org/markup-compatibility/2006" xmlns:p159="http://schemas.microsoft.com/office/powerpoint/2015/09/main">
+    <mc:Choice Requires="p159">
+      <p:transition xmlns:p14="http://schemas.microsoft.com/office/powerpoint/2010/main" spd="slow" p14:dur="2000">
+        <p159:morph option="byObject"/>
+      </p:transition>
+    </mc:Choice>
+    <mc:Fallback xmlns="">
+      <p:transition spd="slow">
+        <p:fade/>
+      </p:transition>
+    </mc:Fallback>
+  </mc:AlternateContent>
+</p:sld>
+</file>
+
+<file path=ppt/slides/slide6.xml><?xml version="1.0" encoding="utf-8"?>
+<p:sld xmlns:a="http://schemas.openxmlformats.org/drawingml/2006/main" xmlns:r="http://schemas.openxmlformats.org/officeDocument/2006/relationships" xmlns:p="http://schemas.openxmlformats.org/presentationml/2006/main">
+  <p:cSld>
     <p:bg>
       <p:bgPr>
         <a:solidFill>
@@ -6566,804 +7847,6 @@
     <p:extLst>
       <p:ext uri="{BB962C8B-B14F-4D97-AF65-F5344CB8AC3E}">
         <p14:creationId xmlns:p14="http://schemas.microsoft.com/office/powerpoint/2010/main" val="2064622165"/>
-      </p:ext>
-    </p:extLst>
-  </p:cSld>
-  <p:clrMapOvr>
-    <a:masterClrMapping/>
-  </p:clrMapOvr>
-  <mc:AlternateContent xmlns:mc="http://schemas.openxmlformats.org/markup-compatibility/2006" xmlns:p159="http://schemas.microsoft.com/office/powerpoint/2015/09/main">
-    <mc:Choice Requires="p159">
-      <p:transition xmlns:p14="http://schemas.microsoft.com/office/powerpoint/2010/main" spd="slow" p14:dur="2000">
-        <p159:morph option="byObject"/>
-      </p:transition>
-    </mc:Choice>
-    <mc:Fallback xmlns="">
-      <p:transition spd="slow">
-        <p:fade/>
-      </p:transition>
-    </mc:Fallback>
-  </mc:AlternateContent>
-</p:sld>
-</file>
-
-<file path=ppt/slides/slide6.xml><?xml version="1.0" encoding="utf-8"?>
-<p:sld xmlns:a="http://schemas.openxmlformats.org/drawingml/2006/main" xmlns:r="http://schemas.openxmlformats.org/officeDocument/2006/relationships" xmlns:p="http://schemas.openxmlformats.org/presentationml/2006/main">
-  <p:cSld>
-    <p:spTree>
-      <p:nvGrpSpPr>
-        <p:cNvPr id="1" name=""/>
-        <p:cNvGrpSpPr/>
-        <p:nvPr/>
-      </p:nvGrpSpPr>
-      <p:grpSpPr>
-        <a:xfrm>
-          <a:off x="0" y="0"/>
-          <a:ext cx="0" cy="0"/>
-          <a:chOff x="0" y="0"/>
-          <a:chExt cx="0" cy="0"/>
-        </a:xfrm>
-      </p:grpSpPr>
-      <p:sp>
-        <p:nvSpPr>
-          <p:cNvPr id="2" name="직사각형 1">
-            <a:extLst>
-              <a:ext uri="{FF2B5EF4-FFF2-40B4-BE49-F238E27FC236}">
-                <a16:creationId xmlns:a16="http://schemas.microsoft.com/office/drawing/2014/main" id="{B1985EEF-2AD8-452A-AD82-3BF8C0CCB759}"/>
-              </a:ext>
-            </a:extLst>
-          </p:cNvPr>
-          <p:cNvSpPr/>
-          <p:nvPr/>
-        </p:nvSpPr>
-        <p:spPr>
-          <a:xfrm>
-            <a:off x="720000" y="1049009"/>
-            <a:ext cx="5760000" cy="108000"/>
-          </a:xfrm>
-          <a:prstGeom prst="rect">
-            <a:avLst/>
-          </a:prstGeom>
-          <a:solidFill>
-            <a:schemeClr val="accent4"/>
-          </a:solidFill>
-          <a:ln>
-            <a:noFill/>
-          </a:ln>
-        </p:spPr>
-        <p:style>
-          <a:lnRef idx="2">
-            <a:schemeClr val="accent1">
-              <a:shade val="50000"/>
-            </a:schemeClr>
-          </a:lnRef>
-          <a:fillRef idx="1">
-            <a:schemeClr val="accent1"/>
-          </a:fillRef>
-          <a:effectRef idx="0">
-            <a:schemeClr val="accent1"/>
-          </a:effectRef>
-          <a:fontRef idx="minor">
-            <a:schemeClr val="lt1"/>
-          </a:fontRef>
-        </p:style>
-        <p:txBody>
-          <a:bodyPr rtlCol="0" anchor="ctr"/>
-          <a:lstStyle/>
-          <a:p>
-            <a:pPr algn="ctr"/>
-            <a:endParaRPr lang="ko-KR" altLang="en-US"/>
-          </a:p>
-        </p:txBody>
-      </p:sp>
-      <p:sp>
-        <p:nvSpPr>
-          <p:cNvPr id="3" name="직사각형 2">
-            <a:extLst>
-              <a:ext uri="{FF2B5EF4-FFF2-40B4-BE49-F238E27FC236}">
-                <a16:creationId xmlns:a16="http://schemas.microsoft.com/office/drawing/2014/main" id="{82363163-7A23-46FA-8BFB-C5C551676293}"/>
-              </a:ext>
-            </a:extLst>
-          </p:cNvPr>
-          <p:cNvSpPr/>
-          <p:nvPr/>
-        </p:nvSpPr>
-        <p:spPr>
-          <a:xfrm>
-            <a:off x="0" y="1049009"/>
-            <a:ext cx="720000" cy="108000"/>
-          </a:xfrm>
-          <a:prstGeom prst="rect">
-            <a:avLst/>
-          </a:prstGeom>
-          <a:solidFill>
-            <a:schemeClr val="accent2"/>
-          </a:solidFill>
-          <a:ln>
-            <a:noFill/>
-          </a:ln>
-        </p:spPr>
-        <p:style>
-          <a:lnRef idx="2">
-            <a:schemeClr val="accent1">
-              <a:shade val="50000"/>
-            </a:schemeClr>
-          </a:lnRef>
-          <a:fillRef idx="1">
-            <a:schemeClr val="accent1"/>
-          </a:fillRef>
-          <a:effectRef idx="0">
-            <a:schemeClr val="accent1"/>
-          </a:effectRef>
-          <a:fontRef idx="minor">
-            <a:schemeClr val="lt1"/>
-          </a:fontRef>
-        </p:style>
-        <p:txBody>
-          <a:bodyPr rtlCol="0" anchor="ctr"/>
-          <a:lstStyle/>
-          <a:p>
-            <a:pPr algn="ctr"/>
-            <a:endParaRPr lang="ko-KR" altLang="en-US"/>
-          </a:p>
-        </p:txBody>
-      </p:sp>
-      <p:sp>
-        <p:nvSpPr>
-          <p:cNvPr id="4" name="TextBox 3">
-            <a:extLst>
-              <a:ext uri="{FF2B5EF4-FFF2-40B4-BE49-F238E27FC236}">
-                <a16:creationId xmlns:a16="http://schemas.microsoft.com/office/drawing/2014/main" id="{F6E7AF03-AAFA-4B21-94E6-D43D71719920}"/>
-              </a:ext>
-            </a:extLst>
-          </p:cNvPr>
-          <p:cNvSpPr txBox="1"/>
-          <p:nvPr/>
-        </p:nvSpPr>
-        <p:spPr>
-          <a:xfrm>
-            <a:off x="720000" y="121920"/>
-            <a:ext cx="2342308" cy="584775"/>
-          </a:xfrm>
-          <a:prstGeom prst="rect">
-            <a:avLst/>
-          </a:prstGeom>
-          <a:noFill/>
-        </p:spPr>
-        <p:txBody>
-          <a:bodyPr wrap="none" rtlCol="0">
-            <a:spAutoFit/>
-          </a:bodyPr>
-          <a:lstStyle/>
-          <a:p>
-            <a:r>
-              <a:rPr lang="ko-KR" altLang="en-US" sz="3200" spc="-300" dirty="0">
-                <a:solidFill>
-                  <a:schemeClr val="tx2">
-                    <a:lumMod val="50000"/>
-                  </a:schemeClr>
-                </a:solidFill>
-              </a:rPr>
-              <a:t>문제 및 보완점</a:t>
-            </a:r>
-          </a:p>
-        </p:txBody>
-      </p:sp>
-      <p:sp>
-        <p:nvSpPr>
-          <p:cNvPr id="19" name="TextBox 18">
-            <a:extLst>
-              <a:ext uri="{FF2B5EF4-FFF2-40B4-BE49-F238E27FC236}">
-                <a16:creationId xmlns:a16="http://schemas.microsoft.com/office/drawing/2014/main" id="{BDAF3733-E535-8245-A3DB-EFA40393FE1F}"/>
-              </a:ext>
-            </a:extLst>
-          </p:cNvPr>
-          <p:cNvSpPr txBox="1"/>
-          <p:nvPr/>
-        </p:nvSpPr>
-        <p:spPr>
-          <a:xfrm>
-            <a:off x="185879" y="46855"/>
-            <a:ext cx="534121" cy="830997"/>
-          </a:xfrm>
-          <a:prstGeom prst="rect">
-            <a:avLst/>
-          </a:prstGeom>
-          <a:noFill/>
-        </p:spPr>
-        <p:txBody>
-          <a:bodyPr wrap="none" rtlCol="0">
-            <a:spAutoFit/>
-          </a:bodyPr>
-          <a:lstStyle/>
-          <a:p>
-            <a:r>
-              <a:rPr lang="en-US" altLang="ko-KR" sz="4800" b="1" dirty="0">
-                <a:solidFill>
-                  <a:schemeClr val="accent4"/>
-                </a:solidFill>
-              </a:rPr>
-              <a:t>2</a:t>
-            </a:r>
-            <a:endParaRPr lang="ko-KR" altLang="en-US" sz="4800" b="1" dirty="0">
-              <a:solidFill>
-                <a:schemeClr val="accent4"/>
-              </a:solidFill>
-            </a:endParaRPr>
-          </a:p>
-        </p:txBody>
-      </p:sp>
-      <p:sp>
-        <p:nvSpPr>
-          <p:cNvPr id="9" name="사각형: 둥근 모서리 8">
-            <a:extLst>
-              <a:ext uri="{FF2B5EF4-FFF2-40B4-BE49-F238E27FC236}">
-                <a16:creationId xmlns:a16="http://schemas.microsoft.com/office/drawing/2014/main" id="{A862AEFD-75C5-4A6F-B23A-333C06436FA4}"/>
-              </a:ext>
-            </a:extLst>
-          </p:cNvPr>
-          <p:cNvSpPr/>
-          <p:nvPr/>
-        </p:nvSpPr>
-        <p:spPr>
-          <a:xfrm>
-            <a:off x="1429210" y="1642503"/>
-            <a:ext cx="3572600" cy="4809285"/>
-          </a:xfrm>
-          <a:prstGeom prst="roundRect">
-            <a:avLst>
-              <a:gd name="adj" fmla="val 5312"/>
-            </a:avLst>
-          </a:prstGeom>
-          <a:noFill/>
-          <a:ln w="28575">
-            <a:solidFill>
-              <a:srgbClr val="FDDE45"/>
-            </a:solidFill>
-          </a:ln>
-        </p:spPr>
-        <p:style>
-          <a:lnRef idx="2">
-            <a:schemeClr val="accent1">
-              <a:shade val="50000"/>
-            </a:schemeClr>
-          </a:lnRef>
-          <a:fillRef idx="1">
-            <a:schemeClr val="accent1"/>
-          </a:fillRef>
-          <a:effectRef idx="0">
-            <a:schemeClr val="accent1"/>
-          </a:effectRef>
-          <a:fontRef idx="minor">
-            <a:schemeClr val="lt1"/>
-          </a:fontRef>
-        </p:style>
-        <p:txBody>
-          <a:bodyPr rtlCol="0" anchor="ctr"/>
-          <a:lstStyle/>
-          <a:p>
-            <a:pPr algn="ctr"/>
-            <a:endParaRPr lang="ko-KR" altLang="en-US"/>
-          </a:p>
-        </p:txBody>
-      </p:sp>
-      <p:sp>
-        <p:nvSpPr>
-          <p:cNvPr id="10" name="사각형: 둥근 모서리 9">
-            <a:extLst>
-              <a:ext uri="{FF2B5EF4-FFF2-40B4-BE49-F238E27FC236}">
-                <a16:creationId xmlns:a16="http://schemas.microsoft.com/office/drawing/2014/main" id="{AE466A4A-6312-4558-AAE4-3C368D1CF45C}"/>
-              </a:ext>
-            </a:extLst>
-          </p:cNvPr>
-          <p:cNvSpPr/>
-          <p:nvPr/>
-        </p:nvSpPr>
-        <p:spPr>
-          <a:xfrm>
-            <a:off x="1781695" y="1309134"/>
-            <a:ext cx="1688631" cy="666737"/>
-          </a:xfrm>
-          <a:prstGeom prst="roundRect">
-            <a:avLst/>
-          </a:prstGeom>
-          <a:solidFill>
-            <a:schemeClr val="accent2"/>
-          </a:solidFill>
-          <a:ln>
-            <a:solidFill>
-              <a:srgbClr val="FDDE45"/>
-            </a:solidFill>
-          </a:ln>
-        </p:spPr>
-        <p:style>
-          <a:lnRef idx="2">
-            <a:schemeClr val="accent1">
-              <a:shade val="50000"/>
-            </a:schemeClr>
-          </a:lnRef>
-          <a:fillRef idx="1">
-            <a:schemeClr val="accent1"/>
-          </a:fillRef>
-          <a:effectRef idx="0">
-            <a:schemeClr val="accent1"/>
-          </a:effectRef>
-          <a:fontRef idx="minor">
-            <a:schemeClr val="lt1"/>
-          </a:fontRef>
-        </p:style>
-        <p:txBody>
-          <a:bodyPr rtlCol="0" anchor="ctr"/>
-          <a:lstStyle/>
-          <a:p>
-            <a:pPr algn="ctr"/>
-            <a:r>
-              <a:rPr lang="en-US" altLang="ko-KR" spc="-150" dirty="0">
-                <a:solidFill>
-                  <a:schemeClr val="tx1">
-                    <a:lumMod val="75000"/>
-                    <a:lumOff val="25000"/>
-                  </a:schemeClr>
-                </a:solidFill>
-                <a:latin typeface="+mj-ea"/>
-                <a:ea typeface="+mj-ea"/>
-              </a:rPr>
-              <a:t>1</a:t>
-            </a:r>
-            <a:r>
-              <a:rPr lang="ko-KR" altLang="en-US" spc="-150" dirty="0">
-                <a:solidFill>
-                  <a:schemeClr val="tx1">
-                    <a:lumMod val="75000"/>
-                    <a:lumOff val="25000"/>
-                  </a:schemeClr>
-                </a:solidFill>
-                <a:latin typeface="+mj-ea"/>
-                <a:ea typeface="+mj-ea"/>
-              </a:rPr>
-              <a:t>차 스프린트</a:t>
-            </a:r>
-            <a:endParaRPr lang="en-US" altLang="ko-KR" spc="-150" dirty="0">
-              <a:solidFill>
-                <a:schemeClr val="tx1">
-                  <a:lumMod val="75000"/>
-                  <a:lumOff val="25000"/>
-                </a:schemeClr>
-              </a:solidFill>
-              <a:latin typeface="+mj-ea"/>
-              <a:ea typeface="+mj-ea"/>
-            </a:endParaRPr>
-          </a:p>
-          <a:p>
-            <a:pPr algn="ctr"/>
-            <a:r>
-              <a:rPr lang="ko-KR" altLang="en-US" spc="-150" dirty="0">
-                <a:solidFill>
-                  <a:schemeClr val="tx1">
-                    <a:lumMod val="75000"/>
-                    <a:lumOff val="25000"/>
-                  </a:schemeClr>
-                </a:solidFill>
-                <a:latin typeface="+mj-ea"/>
-                <a:ea typeface="+mj-ea"/>
-              </a:rPr>
-              <a:t>문제</a:t>
-            </a:r>
-            <a:endParaRPr lang="ko-KR" altLang="en-US" sz="1800" spc="-150" dirty="0">
-              <a:solidFill>
-                <a:schemeClr val="tx1">
-                  <a:lumMod val="75000"/>
-                  <a:lumOff val="25000"/>
-                </a:schemeClr>
-              </a:solidFill>
-              <a:latin typeface="+mj-ea"/>
-              <a:ea typeface="+mj-ea"/>
-            </a:endParaRPr>
-          </a:p>
-        </p:txBody>
-      </p:sp>
-      <p:sp>
-        <p:nvSpPr>
-          <p:cNvPr id="11" name="사각형: 둥근 모서리 10">
-            <a:extLst>
-              <a:ext uri="{FF2B5EF4-FFF2-40B4-BE49-F238E27FC236}">
-                <a16:creationId xmlns:a16="http://schemas.microsoft.com/office/drawing/2014/main" id="{7F0160B2-3651-4F03-A0AE-DE6A24E77A4B}"/>
-              </a:ext>
-            </a:extLst>
-          </p:cNvPr>
-          <p:cNvSpPr/>
-          <p:nvPr/>
-        </p:nvSpPr>
-        <p:spPr>
-          <a:xfrm>
-            <a:off x="1887212" y="2537769"/>
-            <a:ext cx="2662797" cy="3364267"/>
-          </a:xfrm>
-          <a:prstGeom prst="roundRect">
-            <a:avLst/>
-          </a:prstGeom>
-          <a:noFill/>
-          <a:ln w="28575">
-            <a:solidFill>
-              <a:srgbClr val="FDDE45"/>
-            </a:solidFill>
-          </a:ln>
-        </p:spPr>
-        <p:style>
-          <a:lnRef idx="2">
-            <a:schemeClr val="accent1">
-              <a:shade val="50000"/>
-            </a:schemeClr>
-          </a:lnRef>
-          <a:fillRef idx="1">
-            <a:schemeClr val="accent1"/>
-          </a:fillRef>
-          <a:effectRef idx="0">
-            <a:schemeClr val="accent1"/>
-          </a:effectRef>
-          <a:fontRef idx="minor">
-            <a:schemeClr val="lt1"/>
-          </a:fontRef>
-        </p:style>
-        <p:txBody>
-          <a:bodyPr rtlCol="0" anchor="ctr"/>
-          <a:lstStyle/>
-          <a:p>
-            <a:pPr algn="ctr"/>
-            <a:r>
-              <a:rPr lang="ko-KR" altLang="en-US" spc="-150" dirty="0">
-                <a:solidFill>
-                  <a:schemeClr val="tx1">
-                    <a:lumMod val="75000"/>
-                    <a:lumOff val="25000"/>
-                  </a:schemeClr>
-                </a:solidFill>
-                <a:latin typeface="+mj-ea"/>
-                <a:ea typeface="+mj-ea"/>
-              </a:rPr>
-              <a:t>유연하지 못한 개발 시간</a:t>
-            </a:r>
-            <a:endParaRPr lang="en-US" altLang="ko-KR" spc="-150" dirty="0">
-              <a:solidFill>
-                <a:schemeClr val="tx1">
-                  <a:lumMod val="75000"/>
-                  <a:lumOff val="25000"/>
-                </a:schemeClr>
-              </a:solidFill>
-              <a:latin typeface="+mj-ea"/>
-              <a:ea typeface="+mj-ea"/>
-            </a:endParaRPr>
-          </a:p>
-        </p:txBody>
-      </p:sp>
-      <p:sp>
-        <p:nvSpPr>
-          <p:cNvPr id="15" name="사각형: 둥근 모서리 14">
-            <a:extLst>
-              <a:ext uri="{FF2B5EF4-FFF2-40B4-BE49-F238E27FC236}">
-                <a16:creationId xmlns:a16="http://schemas.microsoft.com/office/drawing/2014/main" id="{128E34FD-1FB3-496F-A3EF-FD28E5D83923}"/>
-              </a:ext>
-            </a:extLst>
-          </p:cNvPr>
-          <p:cNvSpPr/>
-          <p:nvPr/>
-        </p:nvSpPr>
-        <p:spPr>
-          <a:xfrm>
-            <a:off x="6652373" y="1628648"/>
-            <a:ext cx="3572600" cy="4809285"/>
-          </a:xfrm>
-          <a:prstGeom prst="roundRect">
-            <a:avLst>
-              <a:gd name="adj" fmla="val 5312"/>
-            </a:avLst>
-          </a:prstGeom>
-          <a:noFill/>
-          <a:ln w="28575">
-            <a:solidFill>
-              <a:srgbClr val="FDDE45"/>
-            </a:solidFill>
-          </a:ln>
-        </p:spPr>
-        <p:style>
-          <a:lnRef idx="2">
-            <a:schemeClr val="accent1">
-              <a:shade val="50000"/>
-            </a:schemeClr>
-          </a:lnRef>
-          <a:fillRef idx="1">
-            <a:schemeClr val="accent1"/>
-          </a:fillRef>
-          <a:effectRef idx="0">
-            <a:schemeClr val="accent1"/>
-          </a:effectRef>
-          <a:fontRef idx="minor">
-            <a:schemeClr val="lt1"/>
-          </a:fontRef>
-        </p:style>
-        <p:txBody>
-          <a:bodyPr rtlCol="0" anchor="ctr"/>
-          <a:lstStyle/>
-          <a:p>
-            <a:pPr algn="ctr"/>
-            <a:endParaRPr lang="ko-KR" altLang="en-US"/>
-          </a:p>
-        </p:txBody>
-      </p:sp>
-      <p:sp>
-        <p:nvSpPr>
-          <p:cNvPr id="16" name="사각형: 둥근 모서리 15">
-            <a:extLst>
-              <a:ext uri="{FF2B5EF4-FFF2-40B4-BE49-F238E27FC236}">
-                <a16:creationId xmlns:a16="http://schemas.microsoft.com/office/drawing/2014/main" id="{959AB82E-1F8E-4BCC-B720-95B4C5D20B4F}"/>
-              </a:ext>
-            </a:extLst>
-          </p:cNvPr>
-          <p:cNvSpPr/>
-          <p:nvPr/>
-        </p:nvSpPr>
-        <p:spPr>
-          <a:xfrm>
-            <a:off x="7004858" y="1295279"/>
-            <a:ext cx="1688631" cy="666737"/>
-          </a:xfrm>
-          <a:prstGeom prst="roundRect">
-            <a:avLst/>
-          </a:prstGeom>
-          <a:solidFill>
-            <a:schemeClr val="accent2"/>
-          </a:solidFill>
-          <a:ln>
-            <a:solidFill>
-              <a:srgbClr val="FDDE45"/>
-            </a:solidFill>
-          </a:ln>
-        </p:spPr>
-        <p:style>
-          <a:lnRef idx="2">
-            <a:schemeClr val="accent1">
-              <a:shade val="50000"/>
-            </a:schemeClr>
-          </a:lnRef>
-          <a:fillRef idx="1">
-            <a:schemeClr val="accent1"/>
-          </a:fillRef>
-          <a:effectRef idx="0">
-            <a:schemeClr val="accent1"/>
-          </a:effectRef>
-          <a:fontRef idx="minor">
-            <a:schemeClr val="lt1"/>
-          </a:fontRef>
-        </p:style>
-        <p:txBody>
-          <a:bodyPr rtlCol="0" anchor="ctr"/>
-          <a:lstStyle/>
-          <a:p>
-            <a:pPr algn="ctr"/>
-            <a:r>
-              <a:rPr lang="ko-KR" altLang="en-US" sz="1800" spc="-150" dirty="0">
-                <a:solidFill>
-                  <a:schemeClr val="tx1">
-                    <a:lumMod val="75000"/>
-                    <a:lumOff val="25000"/>
-                  </a:schemeClr>
-                </a:solidFill>
-                <a:latin typeface="+mj-ea"/>
-                <a:ea typeface="+mj-ea"/>
-              </a:rPr>
-              <a:t>보완점</a:t>
-            </a:r>
-          </a:p>
-        </p:txBody>
-      </p:sp>
-      <p:sp>
-        <p:nvSpPr>
-          <p:cNvPr id="17" name="사각형: 둥근 모서리 16">
-            <a:extLst>
-              <a:ext uri="{FF2B5EF4-FFF2-40B4-BE49-F238E27FC236}">
-                <a16:creationId xmlns:a16="http://schemas.microsoft.com/office/drawing/2014/main" id="{810DE1CB-BD7D-4451-B618-B8B8D6D5E223}"/>
-              </a:ext>
-            </a:extLst>
-          </p:cNvPr>
-          <p:cNvSpPr/>
-          <p:nvPr/>
-        </p:nvSpPr>
-        <p:spPr>
-          <a:xfrm>
-            <a:off x="7110375" y="2523914"/>
-            <a:ext cx="2662797" cy="3364267"/>
-          </a:xfrm>
-          <a:prstGeom prst="roundRect">
-            <a:avLst/>
-          </a:prstGeom>
-          <a:noFill/>
-          <a:ln w="28575">
-            <a:solidFill>
-              <a:srgbClr val="FDDE45"/>
-            </a:solidFill>
-          </a:ln>
-        </p:spPr>
-        <p:style>
-          <a:lnRef idx="2">
-            <a:schemeClr val="accent1">
-              <a:shade val="50000"/>
-            </a:schemeClr>
-          </a:lnRef>
-          <a:fillRef idx="1">
-            <a:schemeClr val="accent1"/>
-          </a:fillRef>
-          <a:effectRef idx="0">
-            <a:schemeClr val="accent1"/>
-          </a:effectRef>
-          <a:fontRef idx="minor">
-            <a:schemeClr val="lt1"/>
-          </a:fontRef>
-        </p:style>
-        <p:txBody>
-          <a:bodyPr rtlCol="0" anchor="ctr"/>
-          <a:lstStyle/>
-          <a:p>
-            <a:pPr algn="ctr"/>
-            <a:r>
-              <a:rPr lang="en-US" altLang="ko-KR" sz="1800" spc="-150" dirty="0">
-                <a:solidFill>
-                  <a:schemeClr val="tx1">
-                    <a:lumMod val="75000"/>
-                    <a:lumOff val="25000"/>
-                  </a:schemeClr>
-                </a:solidFill>
-                <a:latin typeface="+mj-ea"/>
-                <a:ea typeface="+mj-ea"/>
-              </a:rPr>
-              <a:t>2</a:t>
-            </a:r>
-            <a:r>
-              <a:rPr lang="ko-KR" altLang="en-US" sz="1800" spc="-150" dirty="0">
-                <a:solidFill>
-                  <a:schemeClr val="tx1">
-                    <a:lumMod val="75000"/>
-                    <a:lumOff val="25000"/>
-                  </a:schemeClr>
-                </a:solidFill>
-                <a:latin typeface="+mj-ea"/>
-                <a:ea typeface="+mj-ea"/>
-              </a:rPr>
-              <a:t>차 스프린트</a:t>
-            </a:r>
-            <a:endParaRPr lang="en-US" altLang="ko-KR" sz="1800" spc="-150" dirty="0">
-              <a:solidFill>
-                <a:schemeClr val="tx1">
-                  <a:lumMod val="75000"/>
-                  <a:lumOff val="25000"/>
-                </a:schemeClr>
-              </a:solidFill>
-              <a:latin typeface="+mj-ea"/>
-              <a:ea typeface="+mj-ea"/>
-            </a:endParaRPr>
-          </a:p>
-          <a:p>
-            <a:pPr algn="ctr"/>
-            <a:r>
-              <a:rPr lang="ko-KR" altLang="en-US" sz="1800" spc="-150" dirty="0">
-                <a:solidFill>
-                  <a:schemeClr val="tx1">
-                    <a:lumMod val="75000"/>
-                    <a:lumOff val="25000"/>
-                  </a:schemeClr>
-                </a:solidFill>
-                <a:latin typeface="+mj-ea"/>
-                <a:ea typeface="+mj-ea"/>
-              </a:rPr>
-              <a:t>개발 요구사항 개수 감소</a:t>
-            </a:r>
-            <a:endParaRPr lang="en-US" altLang="ko-KR" spc="-150" dirty="0">
-              <a:solidFill>
-                <a:schemeClr val="tx1">
-                  <a:lumMod val="75000"/>
-                  <a:lumOff val="25000"/>
-                </a:schemeClr>
-              </a:solidFill>
-              <a:latin typeface="+mj-ea"/>
-              <a:ea typeface="+mj-ea"/>
-            </a:endParaRPr>
-          </a:p>
-          <a:p>
-            <a:pPr algn="ctr"/>
-            <a:endParaRPr lang="en-US" altLang="ko-KR" spc="-150" dirty="0">
-              <a:solidFill>
-                <a:schemeClr val="tx1">
-                  <a:lumMod val="75000"/>
-                  <a:lumOff val="25000"/>
-                </a:schemeClr>
-              </a:solidFill>
-              <a:latin typeface="+mj-ea"/>
-              <a:ea typeface="+mj-ea"/>
-            </a:endParaRPr>
-          </a:p>
-          <a:p>
-            <a:pPr algn="ctr"/>
-            <a:r>
-              <a:rPr lang="ko-KR" altLang="en-US" spc="-150" dirty="0">
-                <a:solidFill>
-                  <a:schemeClr val="tx1">
-                    <a:lumMod val="75000"/>
-                    <a:lumOff val="25000"/>
-                  </a:schemeClr>
-                </a:solidFill>
-                <a:latin typeface="+mj-ea"/>
-                <a:ea typeface="+mj-ea"/>
-              </a:rPr>
-              <a:t>구체적인 개발 시간 기재</a:t>
-            </a:r>
-            <a:endParaRPr lang="en-US" altLang="ko-KR" spc="-150" dirty="0">
-              <a:solidFill>
-                <a:schemeClr val="tx1">
-                  <a:lumMod val="75000"/>
-                  <a:lumOff val="25000"/>
-                </a:schemeClr>
-              </a:solidFill>
-              <a:latin typeface="+mj-ea"/>
-              <a:ea typeface="+mj-ea"/>
-            </a:endParaRPr>
-          </a:p>
-        </p:txBody>
-      </p:sp>
-      <p:sp>
-        <p:nvSpPr>
-          <p:cNvPr id="5" name="화살표: 오른쪽 4">
-            <a:extLst>
-              <a:ext uri="{FF2B5EF4-FFF2-40B4-BE49-F238E27FC236}">
-                <a16:creationId xmlns:a16="http://schemas.microsoft.com/office/drawing/2014/main" id="{649874B3-DAE1-4F48-B31A-24E8BD7AED05}"/>
-              </a:ext>
-            </a:extLst>
-          </p:cNvPr>
-          <p:cNvSpPr/>
-          <p:nvPr/>
-        </p:nvSpPr>
-        <p:spPr>
-          <a:xfrm>
-            <a:off x="5334000" y="3981450"/>
-            <a:ext cx="1057634" cy="523875"/>
-          </a:xfrm>
-          <a:prstGeom prst="rightArrow">
-            <a:avLst/>
-          </a:prstGeom>
-          <a:solidFill>
-            <a:schemeClr val="accent2"/>
-          </a:solidFill>
-          <a:ln>
-            <a:noFill/>
-          </a:ln>
-        </p:spPr>
-        <p:style>
-          <a:lnRef idx="2">
-            <a:schemeClr val="accent1">
-              <a:shade val="50000"/>
-            </a:schemeClr>
-          </a:lnRef>
-          <a:fillRef idx="1">
-            <a:schemeClr val="accent1"/>
-          </a:fillRef>
-          <a:effectRef idx="0">
-            <a:schemeClr val="accent1"/>
-          </a:effectRef>
-          <a:fontRef idx="minor">
-            <a:schemeClr val="lt1"/>
-          </a:fontRef>
-        </p:style>
-        <p:txBody>
-          <a:bodyPr rtlCol="0" anchor="ctr"/>
-          <a:lstStyle/>
-          <a:p>
-            <a:pPr algn="ctr"/>
-            <a:endParaRPr lang="ko-KR" altLang="en-US"/>
-          </a:p>
-        </p:txBody>
-      </p:sp>
-    </p:spTree>
-    <p:extLst>
-      <p:ext uri="{BB962C8B-B14F-4D97-AF65-F5344CB8AC3E}">
-        <p14:creationId xmlns:p14="http://schemas.microsoft.com/office/powerpoint/2010/main" val="3925864081"/>
       </p:ext>
     </p:extLst>
   </p:cSld>
@@ -7407,6 +7890,807 @@
           <p:cNvPr id="2" name="직사각형 1">
             <a:extLst>
               <a:ext uri="{FF2B5EF4-FFF2-40B4-BE49-F238E27FC236}">
+                <a16:creationId xmlns:a16="http://schemas.microsoft.com/office/drawing/2014/main" id="{B1985EEF-2AD8-452A-AD82-3BF8C0CCB759}"/>
+              </a:ext>
+            </a:extLst>
+          </p:cNvPr>
+          <p:cNvSpPr/>
+          <p:nvPr/>
+        </p:nvSpPr>
+        <p:spPr>
+          <a:xfrm>
+            <a:off x="720000" y="1049009"/>
+            <a:ext cx="5760000" cy="108000"/>
+          </a:xfrm>
+          <a:prstGeom prst="rect">
+            <a:avLst/>
+          </a:prstGeom>
+          <a:solidFill>
+            <a:schemeClr val="accent4"/>
+          </a:solidFill>
+          <a:ln>
+            <a:noFill/>
+          </a:ln>
+        </p:spPr>
+        <p:style>
+          <a:lnRef idx="2">
+            <a:schemeClr val="accent1">
+              <a:shade val="50000"/>
+            </a:schemeClr>
+          </a:lnRef>
+          <a:fillRef idx="1">
+            <a:schemeClr val="accent1"/>
+          </a:fillRef>
+          <a:effectRef idx="0">
+            <a:schemeClr val="accent1"/>
+          </a:effectRef>
+          <a:fontRef idx="minor">
+            <a:schemeClr val="lt1"/>
+          </a:fontRef>
+        </p:style>
+        <p:txBody>
+          <a:bodyPr rtlCol="0" anchor="ctr"/>
+          <a:lstStyle/>
+          <a:p>
+            <a:pPr algn="ctr"/>
+            <a:endParaRPr lang="ko-KR" altLang="en-US"/>
+          </a:p>
+        </p:txBody>
+      </p:sp>
+      <p:sp>
+        <p:nvSpPr>
+          <p:cNvPr id="3" name="직사각형 2">
+            <a:extLst>
+              <a:ext uri="{FF2B5EF4-FFF2-40B4-BE49-F238E27FC236}">
+                <a16:creationId xmlns:a16="http://schemas.microsoft.com/office/drawing/2014/main" id="{82363163-7A23-46FA-8BFB-C5C551676293}"/>
+              </a:ext>
+            </a:extLst>
+          </p:cNvPr>
+          <p:cNvSpPr/>
+          <p:nvPr/>
+        </p:nvSpPr>
+        <p:spPr>
+          <a:xfrm>
+            <a:off x="0" y="1049009"/>
+            <a:ext cx="720000" cy="108000"/>
+          </a:xfrm>
+          <a:prstGeom prst="rect">
+            <a:avLst/>
+          </a:prstGeom>
+          <a:solidFill>
+            <a:schemeClr val="accent2"/>
+          </a:solidFill>
+          <a:ln>
+            <a:noFill/>
+          </a:ln>
+        </p:spPr>
+        <p:style>
+          <a:lnRef idx="2">
+            <a:schemeClr val="accent1">
+              <a:shade val="50000"/>
+            </a:schemeClr>
+          </a:lnRef>
+          <a:fillRef idx="1">
+            <a:schemeClr val="accent1"/>
+          </a:fillRef>
+          <a:effectRef idx="0">
+            <a:schemeClr val="accent1"/>
+          </a:effectRef>
+          <a:fontRef idx="minor">
+            <a:schemeClr val="lt1"/>
+          </a:fontRef>
+        </p:style>
+        <p:txBody>
+          <a:bodyPr rtlCol="0" anchor="ctr"/>
+          <a:lstStyle/>
+          <a:p>
+            <a:pPr algn="ctr"/>
+            <a:endParaRPr lang="ko-KR" altLang="en-US"/>
+          </a:p>
+        </p:txBody>
+      </p:sp>
+      <p:sp>
+        <p:nvSpPr>
+          <p:cNvPr id="4" name="TextBox 3">
+            <a:extLst>
+              <a:ext uri="{FF2B5EF4-FFF2-40B4-BE49-F238E27FC236}">
+                <a16:creationId xmlns:a16="http://schemas.microsoft.com/office/drawing/2014/main" id="{F6E7AF03-AAFA-4B21-94E6-D43D71719920}"/>
+              </a:ext>
+            </a:extLst>
+          </p:cNvPr>
+          <p:cNvSpPr txBox="1"/>
+          <p:nvPr/>
+        </p:nvSpPr>
+        <p:spPr>
+          <a:xfrm>
+            <a:off x="720000" y="121920"/>
+            <a:ext cx="2342308" cy="584775"/>
+          </a:xfrm>
+          <a:prstGeom prst="rect">
+            <a:avLst/>
+          </a:prstGeom>
+          <a:noFill/>
+        </p:spPr>
+        <p:txBody>
+          <a:bodyPr wrap="none" rtlCol="0">
+            <a:spAutoFit/>
+          </a:bodyPr>
+          <a:lstStyle/>
+          <a:p>
+            <a:r>
+              <a:rPr lang="ko-KR" altLang="en-US" sz="3200" spc="-300" dirty="0">
+                <a:solidFill>
+                  <a:schemeClr val="tx2">
+                    <a:lumMod val="50000"/>
+                  </a:schemeClr>
+                </a:solidFill>
+              </a:rPr>
+              <a:t>문제 및 보완점</a:t>
+            </a:r>
+          </a:p>
+        </p:txBody>
+      </p:sp>
+      <p:sp>
+        <p:nvSpPr>
+          <p:cNvPr id="19" name="TextBox 18">
+            <a:extLst>
+              <a:ext uri="{FF2B5EF4-FFF2-40B4-BE49-F238E27FC236}">
+                <a16:creationId xmlns:a16="http://schemas.microsoft.com/office/drawing/2014/main" id="{BDAF3733-E535-8245-A3DB-EFA40393FE1F}"/>
+              </a:ext>
+            </a:extLst>
+          </p:cNvPr>
+          <p:cNvSpPr txBox="1"/>
+          <p:nvPr/>
+        </p:nvSpPr>
+        <p:spPr>
+          <a:xfrm>
+            <a:off x="185879" y="46855"/>
+            <a:ext cx="534121" cy="830997"/>
+          </a:xfrm>
+          <a:prstGeom prst="rect">
+            <a:avLst/>
+          </a:prstGeom>
+          <a:noFill/>
+        </p:spPr>
+        <p:txBody>
+          <a:bodyPr wrap="none" rtlCol="0">
+            <a:spAutoFit/>
+          </a:bodyPr>
+          <a:lstStyle/>
+          <a:p>
+            <a:r>
+              <a:rPr lang="en-US" altLang="ko-KR" sz="4800" b="1" dirty="0">
+                <a:solidFill>
+                  <a:schemeClr val="accent4"/>
+                </a:solidFill>
+              </a:rPr>
+              <a:t>2</a:t>
+            </a:r>
+            <a:endParaRPr lang="ko-KR" altLang="en-US" sz="4800" b="1" dirty="0">
+              <a:solidFill>
+                <a:schemeClr val="accent4"/>
+              </a:solidFill>
+            </a:endParaRPr>
+          </a:p>
+        </p:txBody>
+      </p:sp>
+      <p:sp>
+        <p:nvSpPr>
+          <p:cNvPr id="9" name="사각형: 둥근 모서리 8">
+            <a:extLst>
+              <a:ext uri="{FF2B5EF4-FFF2-40B4-BE49-F238E27FC236}">
+                <a16:creationId xmlns:a16="http://schemas.microsoft.com/office/drawing/2014/main" id="{A862AEFD-75C5-4A6F-B23A-333C06436FA4}"/>
+              </a:ext>
+            </a:extLst>
+          </p:cNvPr>
+          <p:cNvSpPr/>
+          <p:nvPr/>
+        </p:nvSpPr>
+        <p:spPr>
+          <a:xfrm>
+            <a:off x="1429210" y="1642503"/>
+            <a:ext cx="3572600" cy="4809285"/>
+          </a:xfrm>
+          <a:prstGeom prst="roundRect">
+            <a:avLst>
+              <a:gd name="adj" fmla="val 5312"/>
+            </a:avLst>
+          </a:prstGeom>
+          <a:noFill/>
+          <a:ln w="28575">
+            <a:solidFill>
+              <a:srgbClr val="FDDE45"/>
+            </a:solidFill>
+          </a:ln>
+        </p:spPr>
+        <p:style>
+          <a:lnRef idx="2">
+            <a:schemeClr val="accent1">
+              <a:shade val="50000"/>
+            </a:schemeClr>
+          </a:lnRef>
+          <a:fillRef idx="1">
+            <a:schemeClr val="accent1"/>
+          </a:fillRef>
+          <a:effectRef idx="0">
+            <a:schemeClr val="accent1"/>
+          </a:effectRef>
+          <a:fontRef idx="minor">
+            <a:schemeClr val="lt1"/>
+          </a:fontRef>
+        </p:style>
+        <p:txBody>
+          <a:bodyPr rtlCol="0" anchor="ctr"/>
+          <a:lstStyle/>
+          <a:p>
+            <a:pPr algn="ctr"/>
+            <a:endParaRPr lang="ko-KR" altLang="en-US"/>
+          </a:p>
+        </p:txBody>
+      </p:sp>
+      <p:sp>
+        <p:nvSpPr>
+          <p:cNvPr id="10" name="사각형: 둥근 모서리 9">
+            <a:extLst>
+              <a:ext uri="{FF2B5EF4-FFF2-40B4-BE49-F238E27FC236}">
+                <a16:creationId xmlns:a16="http://schemas.microsoft.com/office/drawing/2014/main" id="{AE466A4A-6312-4558-AAE4-3C368D1CF45C}"/>
+              </a:ext>
+            </a:extLst>
+          </p:cNvPr>
+          <p:cNvSpPr/>
+          <p:nvPr/>
+        </p:nvSpPr>
+        <p:spPr>
+          <a:xfrm>
+            <a:off x="1781695" y="1309134"/>
+            <a:ext cx="1688631" cy="666737"/>
+          </a:xfrm>
+          <a:prstGeom prst="roundRect">
+            <a:avLst/>
+          </a:prstGeom>
+          <a:solidFill>
+            <a:schemeClr val="accent2"/>
+          </a:solidFill>
+          <a:ln>
+            <a:solidFill>
+              <a:srgbClr val="FDDE45"/>
+            </a:solidFill>
+          </a:ln>
+        </p:spPr>
+        <p:style>
+          <a:lnRef idx="2">
+            <a:schemeClr val="accent1">
+              <a:shade val="50000"/>
+            </a:schemeClr>
+          </a:lnRef>
+          <a:fillRef idx="1">
+            <a:schemeClr val="accent1"/>
+          </a:fillRef>
+          <a:effectRef idx="0">
+            <a:schemeClr val="accent1"/>
+          </a:effectRef>
+          <a:fontRef idx="minor">
+            <a:schemeClr val="lt1"/>
+          </a:fontRef>
+        </p:style>
+        <p:txBody>
+          <a:bodyPr rtlCol="0" anchor="ctr"/>
+          <a:lstStyle/>
+          <a:p>
+            <a:pPr algn="ctr"/>
+            <a:r>
+              <a:rPr lang="en-US" altLang="ko-KR" spc="-150" dirty="0">
+                <a:solidFill>
+                  <a:schemeClr val="tx1">
+                    <a:lumMod val="75000"/>
+                    <a:lumOff val="25000"/>
+                  </a:schemeClr>
+                </a:solidFill>
+                <a:latin typeface="+mj-ea"/>
+                <a:ea typeface="+mj-ea"/>
+              </a:rPr>
+              <a:t>1</a:t>
+            </a:r>
+            <a:r>
+              <a:rPr lang="ko-KR" altLang="en-US" spc="-150" dirty="0">
+                <a:solidFill>
+                  <a:schemeClr val="tx1">
+                    <a:lumMod val="75000"/>
+                    <a:lumOff val="25000"/>
+                  </a:schemeClr>
+                </a:solidFill>
+                <a:latin typeface="+mj-ea"/>
+                <a:ea typeface="+mj-ea"/>
+              </a:rPr>
+              <a:t>차 스프린트</a:t>
+            </a:r>
+            <a:endParaRPr lang="en-US" altLang="ko-KR" spc="-150" dirty="0">
+              <a:solidFill>
+                <a:schemeClr val="tx1">
+                  <a:lumMod val="75000"/>
+                  <a:lumOff val="25000"/>
+                </a:schemeClr>
+              </a:solidFill>
+              <a:latin typeface="+mj-ea"/>
+              <a:ea typeface="+mj-ea"/>
+            </a:endParaRPr>
+          </a:p>
+          <a:p>
+            <a:pPr algn="ctr"/>
+            <a:r>
+              <a:rPr lang="ko-KR" altLang="en-US" spc="-150" dirty="0">
+                <a:solidFill>
+                  <a:schemeClr val="tx1">
+                    <a:lumMod val="75000"/>
+                    <a:lumOff val="25000"/>
+                  </a:schemeClr>
+                </a:solidFill>
+                <a:latin typeface="+mj-ea"/>
+                <a:ea typeface="+mj-ea"/>
+              </a:rPr>
+              <a:t>문제</a:t>
+            </a:r>
+            <a:endParaRPr lang="ko-KR" altLang="en-US" sz="1800" spc="-150" dirty="0">
+              <a:solidFill>
+                <a:schemeClr val="tx1">
+                  <a:lumMod val="75000"/>
+                  <a:lumOff val="25000"/>
+                </a:schemeClr>
+              </a:solidFill>
+              <a:latin typeface="+mj-ea"/>
+              <a:ea typeface="+mj-ea"/>
+            </a:endParaRPr>
+          </a:p>
+        </p:txBody>
+      </p:sp>
+      <p:sp>
+        <p:nvSpPr>
+          <p:cNvPr id="11" name="사각형: 둥근 모서리 10">
+            <a:extLst>
+              <a:ext uri="{FF2B5EF4-FFF2-40B4-BE49-F238E27FC236}">
+                <a16:creationId xmlns:a16="http://schemas.microsoft.com/office/drawing/2014/main" id="{7F0160B2-3651-4F03-A0AE-DE6A24E77A4B}"/>
+              </a:ext>
+            </a:extLst>
+          </p:cNvPr>
+          <p:cNvSpPr/>
+          <p:nvPr/>
+        </p:nvSpPr>
+        <p:spPr>
+          <a:xfrm>
+            <a:off x="1887212" y="2537769"/>
+            <a:ext cx="2662797" cy="3364267"/>
+          </a:xfrm>
+          <a:prstGeom prst="roundRect">
+            <a:avLst/>
+          </a:prstGeom>
+          <a:noFill/>
+          <a:ln w="28575">
+            <a:solidFill>
+              <a:srgbClr val="FDDE45"/>
+            </a:solidFill>
+          </a:ln>
+        </p:spPr>
+        <p:style>
+          <a:lnRef idx="2">
+            <a:schemeClr val="accent1">
+              <a:shade val="50000"/>
+            </a:schemeClr>
+          </a:lnRef>
+          <a:fillRef idx="1">
+            <a:schemeClr val="accent1"/>
+          </a:fillRef>
+          <a:effectRef idx="0">
+            <a:schemeClr val="accent1"/>
+          </a:effectRef>
+          <a:fontRef idx="minor">
+            <a:schemeClr val="lt1"/>
+          </a:fontRef>
+        </p:style>
+        <p:txBody>
+          <a:bodyPr rtlCol="0" anchor="ctr"/>
+          <a:lstStyle/>
+          <a:p>
+            <a:pPr algn="ctr"/>
+            <a:r>
+              <a:rPr lang="ko-KR" altLang="en-US" spc="-150" dirty="0">
+                <a:solidFill>
+                  <a:schemeClr val="tx1">
+                    <a:lumMod val="75000"/>
+                    <a:lumOff val="25000"/>
+                  </a:schemeClr>
+                </a:solidFill>
+                <a:latin typeface="+mj-ea"/>
+                <a:ea typeface="+mj-ea"/>
+              </a:rPr>
+              <a:t>유연하지 못한 개발 시간</a:t>
+            </a:r>
+            <a:endParaRPr lang="en-US" altLang="ko-KR" spc="-150" dirty="0">
+              <a:solidFill>
+                <a:schemeClr val="tx1">
+                  <a:lumMod val="75000"/>
+                  <a:lumOff val="25000"/>
+                </a:schemeClr>
+              </a:solidFill>
+              <a:latin typeface="+mj-ea"/>
+              <a:ea typeface="+mj-ea"/>
+            </a:endParaRPr>
+          </a:p>
+        </p:txBody>
+      </p:sp>
+      <p:sp>
+        <p:nvSpPr>
+          <p:cNvPr id="15" name="사각형: 둥근 모서리 14">
+            <a:extLst>
+              <a:ext uri="{FF2B5EF4-FFF2-40B4-BE49-F238E27FC236}">
+                <a16:creationId xmlns:a16="http://schemas.microsoft.com/office/drawing/2014/main" id="{128E34FD-1FB3-496F-A3EF-FD28E5D83923}"/>
+              </a:ext>
+            </a:extLst>
+          </p:cNvPr>
+          <p:cNvSpPr/>
+          <p:nvPr/>
+        </p:nvSpPr>
+        <p:spPr>
+          <a:xfrm>
+            <a:off x="6652373" y="1628648"/>
+            <a:ext cx="3572600" cy="4809285"/>
+          </a:xfrm>
+          <a:prstGeom prst="roundRect">
+            <a:avLst>
+              <a:gd name="adj" fmla="val 5312"/>
+            </a:avLst>
+          </a:prstGeom>
+          <a:noFill/>
+          <a:ln w="28575">
+            <a:solidFill>
+              <a:srgbClr val="FDDE45"/>
+            </a:solidFill>
+          </a:ln>
+        </p:spPr>
+        <p:style>
+          <a:lnRef idx="2">
+            <a:schemeClr val="accent1">
+              <a:shade val="50000"/>
+            </a:schemeClr>
+          </a:lnRef>
+          <a:fillRef idx="1">
+            <a:schemeClr val="accent1"/>
+          </a:fillRef>
+          <a:effectRef idx="0">
+            <a:schemeClr val="accent1"/>
+          </a:effectRef>
+          <a:fontRef idx="minor">
+            <a:schemeClr val="lt1"/>
+          </a:fontRef>
+        </p:style>
+        <p:txBody>
+          <a:bodyPr rtlCol="0" anchor="ctr"/>
+          <a:lstStyle/>
+          <a:p>
+            <a:pPr algn="ctr"/>
+            <a:endParaRPr lang="ko-KR" altLang="en-US"/>
+          </a:p>
+        </p:txBody>
+      </p:sp>
+      <p:sp>
+        <p:nvSpPr>
+          <p:cNvPr id="16" name="사각형: 둥근 모서리 15">
+            <a:extLst>
+              <a:ext uri="{FF2B5EF4-FFF2-40B4-BE49-F238E27FC236}">
+                <a16:creationId xmlns:a16="http://schemas.microsoft.com/office/drawing/2014/main" id="{959AB82E-1F8E-4BCC-B720-95B4C5D20B4F}"/>
+              </a:ext>
+            </a:extLst>
+          </p:cNvPr>
+          <p:cNvSpPr/>
+          <p:nvPr/>
+        </p:nvSpPr>
+        <p:spPr>
+          <a:xfrm>
+            <a:off x="7004858" y="1295279"/>
+            <a:ext cx="1688631" cy="666737"/>
+          </a:xfrm>
+          <a:prstGeom prst="roundRect">
+            <a:avLst/>
+          </a:prstGeom>
+          <a:solidFill>
+            <a:schemeClr val="accent2"/>
+          </a:solidFill>
+          <a:ln>
+            <a:solidFill>
+              <a:srgbClr val="FDDE45"/>
+            </a:solidFill>
+          </a:ln>
+        </p:spPr>
+        <p:style>
+          <a:lnRef idx="2">
+            <a:schemeClr val="accent1">
+              <a:shade val="50000"/>
+            </a:schemeClr>
+          </a:lnRef>
+          <a:fillRef idx="1">
+            <a:schemeClr val="accent1"/>
+          </a:fillRef>
+          <a:effectRef idx="0">
+            <a:schemeClr val="accent1"/>
+          </a:effectRef>
+          <a:fontRef idx="minor">
+            <a:schemeClr val="lt1"/>
+          </a:fontRef>
+        </p:style>
+        <p:txBody>
+          <a:bodyPr rtlCol="0" anchor="ctr"/>
+          <a:lstStyle/>
+          <a:p>
+            <a:pPr algn="ctr"/>
+            <a:r>
+              <a:rPr lang="ko-KR" altLang="en-US" sz="1800" spc="-150" dirty="0">
+                <a:solidFill>
+                  <a:schemeClr val="tx1">
+                    <a:lumMod val="75000"/>
+                    <a:lumOff val="25000"/>
+                  </a:schemeClr>
+                </a:solidFill>
+                <a:latin typeface="+mj-ea"/>
+                <a:ea typeface="+mj-ea"/>
+              </a:rPr>
+              <a:t>보완점</a:t>
+            </a:r>
+          </a:p>
+        </p:txBody>
+      </p:sp>
+      <p:sp>
+        <p:nvSpPr>
+          <p:cNvPr id="17" name="사각형: 둥근 모서리 16">
+            <a:extLst>
+              <a:ext uri="{FF2B5EF4-FFF2-40B4-BE49-F238E27FC236}">
+                <a16:creationId xmlns:a16="http://schemas.microsoft.com/office/drawing/2014/main" id="{810DE1CB-BD7D-4451-B618-B8B8D6D5E223}"/>
+              </a:ext>
+            </a:extLst>
+          </p:cNvPr>
+          <p:cNvSpPr/>
+          <p:nvPr/>
+        </p:nvSpPr>
+        <p:spPr>
+          <a:xfrm>
+            <a:off x="7110375" y="2523914"/>
+            <a:ext cx="2662797" cy="3364267"/>
+          </a:xfrm>
+          <a:prstGeom prst="roundRect">
+            <a:avLst/>
+          </a:prstGeom>
+          <a:noFill/>
+          <a:ln w="28575">
+            <a:solidFill>
+              <a:srgbClr val="FDDE45"/>
+            </a:solidFill>
+          </a:ln>
+        </p:spPr>
+        <p:style>
+          <a:lnRef idx="2">
+            <a:schemeClr val="accent1">
+              <a:shade val="50000"/>
+            </a:schemeClr>
+          </a:lnRef>
+          <a:fillRef idx="1">
+            <a:schemeClr val="accent1"/>
+          </a:fillRef>
+          <a:effectRef idx="0">
+            <a:schemeClr val="accent1"/>
+          </a:effectRef>
+          <a:fontRef idx="minor">
+            <a:schemeClr val="lt1"/>
+          </a:fontRef>
+        </p:style>
+        <p:txBody>
+          <a:bodyPr rtlCol="0" anchor="ctr"/>
+          <a:lstStyle/>
+          <a:p>
+            <a:pPr algn="ctr"/>
+            <a:r>
+              <a:rPr lang="en-US" altLang="ko-KR" sz="1800" spc="-150" dirty="0">
+                <a:solidFill>
+                  <a:schemeClr val="tx1">
+                    <a:lumMod val="75000"/>
+                    <a:lumOff val="25000"/>
+                  </a:schemeClr>
+                </a:solidFill>
+                <a:latin typeface="+mj-ea"/>
+                <a:ea typeface="+mj-ea"/>
+              </a:rPr>
+              <a:t>2</a:t>
+            </a:r>
+            <a:r>
+              <a:rPr lang="ko-KR" altLang="en-US" sz="1800" spc="-150" dirty="0">
+                <a:solidFill>
+                  <a:schemeClr val="tx1">
+                    <a:lumMod val="75000"/>
+                    <a:lumOff val="25000"/>
+                  </a:schemeClr>
+                </a:solidFill>
+                <a:latin typeface="+mj-ea"/>
+                <a:ea typeface="+mj-ea"/>
+              </a:rPr>
+              <a:t>차 스프린트</a:t>
+            </a:r>
+            <a:endParaRPr lang="en-US" altLang="ko-KR" sz="1800" spc="-150" dirty="0">
+              <a:solidFill>
+                <a:schemeClr val="tx1">
+                  <a:lumMod val="75000"/>
+                  <a:lumOff val="25000"/>
+                </a:schemeClr>
+              </a:solidFill>
+              <a:latin typeface="+mj-ea"/>
+              <a:ea typeface="+mj-ea"/>
+            </a:endParaRPr>
+          </a:p>
+          <a:p>
+            <a:pPr algn="ctr"/>
+            <a:r>
+              <a:rPr lang="ko-KR" altLang="en-US" sz="1800" spc="-150" dirty="0">
+                <a:solidFill>
+                  <a:schemeClr val="tx1">
+                    <a:lumMod val="75000"/>
+                    <a:lumOff val="25000"/>
+                  </a:schemeClr>
+                </a:solidFill>
+                <a:latin typeface="+mj-ea"/>
+                <a:ea typeface="+mj-ea"/>
+              </a:rPr>
+              <a:t>개발 요구사항 개수 감소</a:t>
+            </a:r>
+            <a:endParaRPr lang="en-US" altLang="ko-KR" spc="-150" dirty="0">
+              <a:solidFill>
+                <a:schemeClr val="tx1">
+                  <a:lumMod val="75000"/>
+                  <a:lumOff val="25000"/>
+                </a:schemeClr>
+              </a:solidFill>
+              <a:latin typeface="+mj-ea"/>
+              <a:ea typeface="+mj-ea"/>
+            </a:endParaRPr>
+          </a:p>
+          <a:p>
+            <a:pPr algn="ctr"/>
+            <a:r>
+              <a:rPr lang="en-US" altLang="ko-KR" spc="-150" dirty="0">
+                <a:solidFill>
+                  <a:schemeClr val="tx1">
+                    <a:lumMod val="75000"/>
+                    <a:lumOff val="25000"/>
+                  </a:schemeClr>
+                </a:solidFill>
+                <a:latin typeface="+mj-ea"/>
+                <a:ea typeface="+mj-ea"/>
+              </a:rPr>
+              <a:t>&amp;</a:t>
+            </a:r>
+          </a:p>
+          <a:p>
+            <a:pPr algn="ctr"/>
+            <a:r>
+              <a:rPr lang="ko-KR" altLang="en-US" spc="-150" dirty="0">
+                <a:solidFill>
+                  <a:schemeClr val="tx1">
+                    <a:lumMod val="75000"/>
+                    <a:lumOff val="25000"/>
+                  </a:schemeClr>
+                </a:solidFill>
+                <a:latin typeface="+mj-ea"/>
+                <a:ea typeface="+mj-ea"/>
+              </a:rPr>
+              <a:t>구체적인 개발 시간 기재</a:t>
+            </a:r>
+            <a:endParaRPr lang="en-US" altLang="ko-KR" spc="-150" dirty="0">
+              <a:solidFill>
+                <a:schemeClr val="tx1">
+                  <a:lumMod val="75000"/>
+                  <a:lumOff val="25000"/>
+                </a:schemeClr>
+              </a:solidFill>
+              <a:latin typeface="+mj-ea"/>
+              <a:ea typeface="+mj-ea"/>
+            </a:endParaRPr>
+          </a:p>
+        </p:txBody>
+      </p:sp>
+      <p:sp>
+        <p:nvSpPr>
+          <p:cNvPr id="5" name="화살표: 오른쪽 4">
+            <a:extLst>
+              <a:ext uri="{FF2B5EF4-FFF2-40B4-BE49-F238E27FC236}">
+                <a16:creationId xmlns:a16="http://schemas.microsoft.com/office/drawing/2014/main" id="{649874B3-DAE1-4F48-B31A-24E8BD7AED05}"/>
+              </a:ext>
+            </a:extLst>
+          </p:cNvPr>
+          <p:cNvSpPr/>
+          <p:nvPr/>
+        </p:nvSpPr>
+        <p:spPr>
+          <a:xfrm>
+            <a:off x="5334000" y="3981450"/>
+            <a:ext cx="1057634" cy="523875"/>
+          </a:xfrm>
+          <a:prstGeom prst="rightArrow">
+            <a:avLst/>
+          </a:prstGeom>
+          <a:solidFill>
+            <a:schemeClr val="accent2"/>
+          </a:solidFill>
+          <a:ln>
+            <a:noFill/>
+          </a:ln>
+        </p:spPr>
+        <p:style>
+          <a:lnRef idx="2">
+            <a:schemeClr val="accent1">
+              <a:shade val="50000"/>
+            </a:schemeClr>
+          </a:lnRef>
+          <a:fillRef idx="1">
+            <a:schemeClr val="accent1"/>
+          </a:fillRef>
+          <a:effectRef idx="0">
+            <a:schemeClr val="accent1"/>
+          </a:effectRef>
+          <a:fontRef idx="minor">
+            <a:schemeClr val="lt1"/>
+          </a:fontRef>
+        </p:style>
+        <p:txBody>
+          <a:bodyPr rtlCol="0" anchor="ctr"/>
+          <a:lstStyle/>
+          <a:p>
+            <a:pPr algn="ctr"/>
+            <a:endParaRPr lang="ko-KR" altLang="en-US"/>
+          </a:p>
+        </p:txBody>
+      </p:sp>
+    </p:spTree>
+    <p:extLst>
+      <p:ext uri="{BB962C8B-B14F-4D97-AF65-F5344CB8AC3E}">
+        <p14:creationId xmlns:p14="http://schemas.microsoft.com/office/powerpoint/2010/main" val="3925864081"/>
+      </p:ext>
+    </p:extLst>
+  </p:cSld>
+  <p:clrMapOvr>
+    <a:masterClrMapping/>
+  </p:clrMapOvr>
+  <mc:AlternateContent xmlns:mc="http://schemas.openxmlformats.org/markup-compatibility/2006" xmlns:p159="http://schemas.microsoft.com/office/powerpoint/2015/09/main">
+    <mc:Choice Requires="p159">
+      <p:transition xmlns:p14="http://schemas.microsoft.com/office/powerpoint/2010/main" spd="slow" p14:dur="2000">
+        <p159:morph option="byObject"/>
+      </p:transition>
+    </mc:Choice>
+    <mc:Fallback xmlns="">
+      <p:transition spd="slow">
+        <p:fade/>
+      </p:transition>
+    </mc:Fallback>
+  </mc:AlternateContent>
+</p:sld>
+</file>
+
+<file path=ppt/slides/slide8.xml><?xml version="1.0" encoding="utf-8"?>
+<p:sld xmlns:a="http://schemas.openxmlformats.org/drawingml/2006/main" xmlns:r="http://schemas.openxmlformats.org/officeDocument/2006/relationships" xmlns:p="http://schemas.openxmlformats.org/presentationml/2006/main">
+  <p:cSld>
+    <p:spTree>
+      <p:nvGrpSpPr>
+        <p:cNvPr id="1" name=""/>
+        <p:cNvGrpSpPr/>
+        <p:nvPr/>
+      </p:nvGrpSpPr>
+      <p:grpSpPr>
+        <a:xfrm>
+          <a:off x="0" y="0"/>
+          <a:ext cx="0" cy="0"/>
+          <a:chOff x="0" y="0"/>
+          <a:chExt cx="0" cy="0"/>
+        </a:xfrm>
+      </p:grpSpPr>
+      <p:sp>
+        <p:nvSpPr>
+          <p:cNvPr id="2" name="직사각형 1">
+            <a:extLst>
+              <a:ext uri="{FF2B5EF4-FFF2-40B4-BE49-F238E27FC236}">
                 <a16:creationId xmlns:a16="http://schemas.microsoft.com/office/drawing/2014/main" id="{FD27475A-FB44-45B8-A8EA-787D9F9F89C1}"/>
               </a:ext>
             </a:extLst>
@@ -7616,7 +8900,7 @@
 </p:sld>
 </file>
 
-<file path=ppt/slides/slide8.xml><?xml version="1.0" encoding="utf-8"?>
+<file path=ppt/slides/slide9.xml><?xml version="1.0" encoding="utf-8"?>
 <p:sld xmlns:a="http://schemas.openxmlformats.org/drawingml/2006/main" xmlns:r="http://schemas.openxmlformats.org/officeDocument/2006/relationships" xmlns:p="http://schemas.openxmlformats.org/presentationml/2006/main">
   <p:cSld>
     <p:spTree>
@@ -10035,219 +11319,6 @@
 </p:sld>
 </file>
 
-<file path=ppt/slides/slide9.xml><?xml version="1.0" encoding="utf-8"?>
-<p:sld xmlns:a="http://schemas.openxmlformats.org/drawingml/2006/main" xmlns:r="http://schemas.openxmlformats.org/officeDocument/2006/relationships" xmlns:p="http://schemas.openxmlformats.org/presentationml/2006/main">
-  <p:cSld>
-    <p:spTree>
-      <p:nvGrpSpPr>
-        <p:cNvPr id="1" name=""/>
-        <p:cNvGrpSpPr/>
-        <p:nvPr/>
-      </p:nvGrpSpPr>
-      <p:grpSpPr>
-        <a:xfrm>
-          <a:off x="0" y="0"/>
-          <a:ext cx="0" cy="0"/>
-          <a:chOff x="0" y="0"/>
-          <a:chExt cx="0" cy="0"/>
-        </a:xfrm>
-      </p:grpSpPr>
-      <p:pic>
-        <p:nvPicPr>
-          <p:cNvPr id="3" name="그림 2">
-            <a:extLst>
-              <a:ext uri="{FF2B5EF4-FFF2-40B4-BE49-F238E27FC236}">
-                <a16:creationId xmlns:a16="http://schemas.microsoft.com/office/drawing/2014/main" id="{4EBBF972-9F3D-4F22-B882-CE59EF744762}"/>
-              </a:ext>
-            </a:extLst>
-          </p:cNvPr>
-          <p:cNvPicPr>
-            <a:picLocks noChangeAspect="1"/>
-          </p:cNvPicPr>
-          <p:nvPr/>
-        </p:nvPicPr>
-        <p:blipFill rotWithShape="1">
-          <a:blip r:embed="rId2" cstate="screen">
-            <a:extLst>
-              <a:ext uri="{28A0092B-C50C-407E-A947-70E740481C1C}">
-                <a14:useLocalDpi xmlns:a14="http://schemas.microsoft.com/office/drawing/2010/main" val="0"/>
-              </a:ext>
-            </a:extLst>
-          </a:blip>
-          <a:srcRect/>
-          <a:stretch/>
-        </p:blipFill>
-        <p:spPr>
-          <a:xfrm>
-            <a:off x="0" y="0"/>
-            <a:ext cx="12192000" cy="6858000"/>
-          </a:xfrm>
-          <a:prstGeom prst="rect">
-            <a:avLst/>
-          </a:prstGeom>
-        </p:spPr>
-      </p:pic>
-      <p:sp>
-        <p:nvSpPr>
-          <p:cNvPr id="4" name="직사각형 3">
-            <a:extLst>
-              <a:ext uri="{FF2B5EF4-FFF2-40B4-BE49-F238E27FC236}">
-                <a16:creationId xmlns:a16="http://schemas.microsoft.com/office/drawing/2014/main" id="{7C74F5F7-00D0-4ECC-89F9-4D20EF05AC44}"/>
-              </a:ext>
-            </a:extLst>
-          </p:cNvPr>
-          <p:cNvSpPr/>
-          <p:nvPr/>
-        </p:nvSpPr>
-        <p:spPr>
-          <a:xfrm>
-            <a:off x="2698416" y="2505627"/>
-            <a:ext cx="6795168" cy="1836488"/>
-          </a:xfrm>
-          <a:prstGeom prst="rect">
-            <a:avLst/>
-          </a:prstGeom>
-          <a:solidFill>
-            <a:schemeClr val="accent4"/>
-          </a:solidFill>
-          <a:ln>
-            <a:noFill/>
-          </a:ln>
-        </p:spPr>
-        <p:style>
-          <a:lnRef idx="2">
-            <a:schemeClr val="accent1">
-              <a:shade val="50000"/>
-            </a:schemeClr>
-          </a:lnRef>
-          <a:fillRef idx="1">
-            <a:schemeClr val="accent1"/>
-          </a:fillRef>
-          <a:effectRef idx="0">
-            <a:schemeClr val="accent1"/>
-          </a:effectRef>
-          <a:fontRef idx="minor">
-            <a:schemeClr val="lt1"/>
-          </a:fontRef>
-        </p:style>
-        <p:txBody>
-          <a:bodyPr rtlCol="0" anchor="ctr"/>
-          <a:lstStyle/>
-          <a:p>
-            <a:pPr algn="ctr"/>
-            <a:endParaRPr lang="ko-KR" altLang="en-US"/>
-          </a:p>
-        </p:txBody>
-      </p:sp>
-      <p:sp>
-        <p:nvSpPr>
-          <p:cNvPr id="5" name="TextBox 4">
-            <a:extLst>
-              <a:ext uri="{FF2B5EF4-FFF2-40B4-BE49-F238E27FC236}">
-                <a16:creationId xmlns:a16="http://schemas.microsoft.com/office/drawing/2014/main" id="{998A5B73-C2F7-4581-8705-1A00D96287B1}"/>
-              </a:ext>
-            </a:extLst>
-          </p:cNvPr>
-          <p:cNvSpPr txBox="1"/>
-          <p:nvPr/>
-        </p:nvSpPr>
-        <p:spPr>
-          <a:xfrm>
-            <a:off x="4348567" y="2916039"/>
-            <a:ext cx="3494867" cy="1015663"/>
-          </a:xfrm>
-          <a:prstGeom prst="rect">
-            <a:avLst/>
-          </a:prstGeom>
-          <a:noFill/>
-        </p:spPr>
-        <p:txBody>
-          <a:bodyPr wrap="none" rtlCol="0">
-            <a:spAutoFit/>
-          </a:bodyPr>
-          <a:lstStyle/>
-          <a:p>
-            <a:pPr algn="ctr"/>
-            <a:r>
-              <a:rPr lang="ko-KR" altLang="en-US" sz="6000" b="1" spc="-300" dirty="0">
-                <a:solidFill>
-                  <a:schemeClr val="accent2"/>
-                </a:solidFill>
-              </a:rPr>
-              <a:t>감사합니다</a:t>
-            </a:r>
-          </a:p>
-        </p:txBody>
-      </p:sp>
-      <p:sp>
-        <p:nvSpPr>
-          <p:cNvPr id="6" name="TextBox 5">
-            <a:extLst>
-              <a:ext uri="{FF2B5EF4-FFF2-40B4-BE49-F238E27FC236}">
-                <a16:creationId xmlns:a16="http://schemas.microsoft.com/office/drawing/2014/main" id="{B52C2E6F-0C74-499E-8460-A9AA5B5D40F6}"/>
-              </a:ext>
-            </a:extLst>
-          </p:cNvPr>
-          <p:cNvSpPr txBox="1"/>
-          <p:nvPr/>
-        </p:nvSpPr>
-        <p:spPr>
-          <a:xfrm>
-            <a:off x="2543947" y="1851645"/>
-            <a:ext cx="1603324" cy="3154710"/>
-          </a:xfrm>
-          <a:prstGeom prst="rect">
-            <a:avLst/>
-          </a:prstGeom>
-          <a:noFill/>
-        </p:spPr>
-        <p:txBody>
-          <a:bodyPr wrap="none" rtlCol="0">
-            <a:spAutoFit/>
-          </a:bodyPr>
-          <a:lstStyle/>
-          <a:p>
-            <a:r>
-              <a:rPr lang="en-US" altLang="ko-KR" sz="19900" dirty="0">
-                <a:solidFill>
-                  <a:schemeClr val="accent2"/>
-                </a:solidFill>
-              </a:rPr>
-              <a:t>#</a:t>
-            </a:r>
-            <a:endParaRPr lang="ko-KR" altLang="en-US" sz="19900" dirty="0">
-              <a:solidFill>
-                <a:schemeClr val="accent2"/>
-              </a:solidFill>
-            </a:endParaRPr>
-          </a:p>
-        </p:txBody>
-      </p:sp>
-    </p:spTree>
-    <p:extLst>
-      <p:ext uri="{BB962C8B-B14F-4D97-AF65-F5344CB8AC3E}">
-        <p14:creationId xmlns:p14="http://schemas.microsoft.com/office/powerpoint/2010/main" val="3899225301"/>
-      </p:ext>
-    </p:extLst>
-  </p:cSld>
-  <p:clrMapOvr>
-    <a:masterClrMapping/>
-  </p:clrMapOvr>
-  <mc:AlternateContent xmlns:mc="http://schemas.openxmlformats.org/markup-compatibility/2006" xmlns:p159="http://schemas.microsoft.com/office/powerpoint/2015/09/main">
-    <mc:Choice Requires="p159">
-      <p:transition xmlns:p14="http://schemas.microsoft.com/office/powerpoint/2010/main" spd="slow" p14:dur="2000">
-        <p159:morph option="byObject"/>
-      </p:transition>
-    </mc:Choice>
-    <mc:Fallback xmlns="">
-      <p:transition spd="slow">
-        <p:fade/>
-      </p:transition>
-    </mc:Fallback>
-  </mc:AlternateContent>
-</p:sld>
-</file>
-
 <file path=ppt/theme/theme1.xml><?xml version="1.0" encoding="utf-8"?>
 <a:theme xmlns:a="http://schemas.openxmlformats.org/drawingml/2006/main" name="Office 테마">
   <a:themeElements>
